--- a/清华简约主题-扁平-16-9.pptx
+++ b/清华简约主题-扁平-16-9.pptx
@@ -14,7 +14,7 @@
     <p:sldId id="267" r:id="rId5"/>
     <p:sldId id="265" r:id="rId6"/>
     <p:sldId id="271" r:id="rId7"/>
-    <p:sldId id="272" r:id="rId8"/>
+    <p:sldId id="273" r:id="rId8"/>
     <p:sldId id="261" r:id="rId9"/>
     <p:sldId id="264" r:id="rId10"/>
   </p:sldIdLst>
@@ -205,7 +205,7 @@
           <a:p>
             <a:fld id="{BDA51940-DB52-3B48-AABB-9C7938529E4E}" type="datetimeFigureOut">
               <a:rPr kumimoji="1" lang="zh-CN" altLang="en-US" smtClean="0"/>
-              <a:t>2020/6/12</a:t>
+              <a:t>2022/6/9</a:t>
             </a:fld>
             <a:endParaRPr kumimoji="1" lang="zh-CN" altLang="en-US"/>
           </a:p>
@@ -670,6 +670,9 @@
                 <a:gd name="adj2" fmla="val 23475"/>
               </a:avLst>
             </a:prstGeom>
+            <a:solidFill>
+              <a:srgbClr val="660874"/>
+            </a:solidFill>
             <a:ln>
               <a:noFill/>
             </a:ln>
@@ -753,103 +756,6 @@
           </p:txBody>
         </p:sp>
       </p:grpSp>
-      <p:pic>
-        <p:nvPicPr>
-          <p:cNvPr id="8" name="图片 7">
-            <a:extLst>
-              <a:ext uri="{FF2B5EF4-FFF2-40B4-BE49-F238E27FC236}">
-                <a16:creationId xmlns:a16="http://schemas.microsoft.com/office/drawing/2014/main" id="{194A483F-9AA2-A24C-BA23-AD5256267A43}"/>
-              </a:ext>
-            </a:extLst>
-          </p:cNvPr>
-          <p:cNvPicPr>
-            <a:picLocks noChangeAspect="1"/>
-          </p:cNvPicPr>
-          <p:nvPr userDrawn="1"/>
-        </p:nvPicPr>
-        <p:blipFill>
-          <a:blip r:embed="rId2" cstate="print">
-            <a:clrChange>
-              <a:clrFrom>
-                <a:srgbClr val="FFFFFF"/>
-              </a:clrFrom>
-              <a:clrTo>
-                <a:srgbClr val="FFFFFF">
-                  <a:alpha val="0"/>
-                </a:srgbClr>
-              </a:clrTo>
-            </a:clrChange>
-            <a:extLst>
-              <a:ext uri="{28A0092B-C50C-407E-A947-70E740481C1C}">
-                <a14:useLocalDpi xmlns:a14="http://schemas.microsoft.com/office/drawing/2010/main" val="0"/>
-              </a:ext>
-            </a:extLst>
-          </a:blip>
-          <a:stretch>
-            <a:fillRect/>
-          </a:stretch>
-        </p:blipFill>
-        <p:spPr>
-          <a:xfrm>
-            <a:off x="9028351" y="399605"/>
-            <a:ext cx="2538904" cy="1074418"/>
-          </a:xfrm>
-          <a:prstGeom prst="rect">
-            <a:avLst/>
-          </a:prstGeom>
-        </p:spPr>
-      </p:pic>
-      <p:sp>
-        <p:nvSpPr>
-          <p:cNvPr id="12" name="Title 1">
-            <a:extLst>
-              <a:ext uri="{FF2B5EF4-FFF2-40B4-BE49-F238E27FC236}">
-                <a16:creationId xmlns:a16="http://schemas.microsoft.com/office/drawing/2014/main" id="{43FE9298-60C2-9548-BC1E-E8694904B371}"/>
-              </a:ext>
-            </a:extLst>
-          </p:cNvPr>
-          <p:cNvSpPr>
-            <a:spLocks noGrp="1"/>
-          </p:cNvSpPr>
-          <p:nvPr>
-            <p:ph type="ctrTitle"/>
-          </p:nvPr>
-        </p:nvSpPr>
-        <p:spPr>
-          <a:xfrm>
-            <a:off x="963169" y="2028084"/>
-            <a:ext cx="10265664" cy="1356406"/>
-          </a:xfrm>
-          <a:prstGeom prst="rect">
-            <a:avLst/>
-          </a:prstGeom>
-          <a:effectLst/>
-        </p:spPr>
-        <p:txBody>
-          <a:bodyPr anchor="b">
-            <a:normAutofit/>
-          </a:bodyPr>
-          <a:lstStyle>
-            <a:lvl1pPr algn="l">
-              <a:defRPr lang="en-US" altLang="en-US" sz="3600" b="0" kern="1200" cap="all" dirty="0">
-                <a:solidFill>
-                  <a:srgbClr val="5C307D"/>
-                </a:solidFill>
-                <a:latin typeface="+mj-lt"/>
-                <a:ea typeface="+mj-ea"/>
-                <a:cs typeface="+mj-cs"/>
-              </a:defRPr>
-            </a:lvl1pPr>
-          </a:lstStyle>
-          <a:p>
-            <a:r>
-              <a:rPr lang="zh-CN" altLang="en-US" dirty="0"/>
-              <a:t>单击此处编辑母版标题样式</a:t>
-            </a:r>
-            <a:endParaRPr lang="en-US" dirty="0"/>
-          </a:p>
-        </p:txBody>
-      </p:sp>
       <p:sp>
         <p:nvSpPr>
           <p:cNvPr id="13" name="Subtitle 2">
@@ -871,6 +777,9 @@
             <a:off x="963169" y="3819054"/>
             <a:ext cx="10265664" cy="1340999"/>
           </a:xfrm>
+          <a:prstGeom prst="rect">
+            <a:avLst/>
+          </a:prstGeom>
         </p:spPr>
         <p:txBody>
           <a:bodyPr anchor="t">
@@ -879,7 +788,7 @@
           <a:lstStyle>
             <a:lvl1pPr marL="0" indent="0" algn="l">
               <a:buNone/>
-              <a:defRPr sz="2000" cap="all">
+              <a:defRPr sz="2000" cap="none" baseline="0">
                 <a:solidFill>
                   <a:schemeClr val="accent2"/>
                 </a:solidFill>
@@ -977,10 +886,10 @@
       </p:sp>
       <p:sp>
         <p:nvSpPr>
-          <p:cNvPr id="2" name="日期占位符 1">
+          <p:cNvPr id="4" name="日期占位符 3">
             <a:extLst>
               <a:ext uri="{FF2B5EF4-FFF2-40B4-BE49-F238E27FC236}">
-                <a16:creationId xmlns:a16="http://schemas.microsoft.com/office/drawing/2014/main" id="{1EFB8BDD-FC0A-384D-B32A-D2CC0933A7E8}"/>
+                <a16:creationId xmlns:a16="http://schemas.microsoft.com/office/drawing/2014/main" id="{CE27B568-9C73-4347-A347-6FC2B45E44BF}"/>
               </a:ext>
             </a:extLst>
           </p:cNvPr>
@@ -998,7 +907,7 @@
           <a:p>
             <a:fld id="{E4551058-E5DB-324A-A8E9-6D3BEF243C3B}" type="datetimeFigureOut">
               <a:rPr kumimoji="1" lang="zh-CN" altLang="en-US" smtClean="0"/>
-              <a:t>2020/6/12</a:t>
+              <a:t>2022/6/9</a:t>
             </a:fld>
             <a:endParaRPr kumimoji="1" lang="zh-CN" altLang="en-US"/>
           </a:p>
@@ -1006,10 +915,10 @@
       </p:sp>
       <p:sp>
         <p:nvSpPr>
-          <p:cNvPr id="3" name="页脚占位符 2">
+          <p:cNvPr id="5" name="页脚占位符 4">
             <a:extLst>
               <a:ext uri="{FF2B5EF4-FFF2-40B4-BE49-F238E27FC236}">
-                <a16:creationId xmlns:a16="http://schemas.microsoft.com/office/drawing/2014/main" id="{84A11234-2E12-B147-A4FF-3B49897981CE}"/>
+                <a16:creationId xmlns:a16="http://schemas.microsoft.com/office/drawing/2014/main" id="{7C41202B-2D63-8945-91A5-3692FFC320B5}"/>
               </a:ext>
             </a:extLst>
           </p:cNvPr>
@@ -1031,10 +940,10 @@
       </p:sp>
       <p:sp>
         <p:nvSpPr>
-          <p:cNvPr id="7" name="灯片编号占位符 6">
+          <p:cNvPr id="6" name="灯片编号占位符 5">
             <a:extLst>
               <a:ext uri="{FF2B5EF4-FFF2-40B4-BE49-F238E27FC236}">
-                <a16:creationId xmlns:a16="http://schemas.microsoft.com/office/drawing/2014/main" id="{5EFFF194-7BE9-7440-90F5-0BA3D1B448B8}"/>
+                <a16:creationId xmlns:a16="http://schemas.microsoft.com/office/drawing/2014/main" id="{2AE223B9-0CD9-7541-945A-15D8187274C4}"/>
               </a:ext>
             </a:extLst>
           </p:cNvPr>
@@ -1055,6 +964,82 @@
               <a:t>‹#›</a:t>
             </a:fld>
             <a:endParaRPr kumimoji="1" lang="zh-CN" altLang="en-US"/>
+          </a:p>
+        </p:txBody>
+      </p:sp>
+      <p:pic>
+        <p:nvPicPr>
+          <p:cNvPr id="15" name="图片 14">
+            <a:extLst>
+              <a:ext uri="{FF2B5EF4-FFF2-40B4-BE49-F238E27FC236}">
+                <a16:creationId xmlns:a16="http://schemas.microsoft.com/office/drawing/2014/main" id="{B61664AB-A929-BB4F-A814-F48483A1A3AB}"/>
+              </a:ext>
+            </a:extLst>
+          </p:cNvPr>
+          <p:cNvPicPr>
+            <a:picLocks noChangeAspect="1"/>
+          </p:cNvPicPr>
+          <p:nvPr userDrawn="1"/>
+        </p:nvPicPr>
+        <p:blipFill>
+          <a:blip r:embed="rId2"/>
+          <a:stretch>
+            <a:fillRect/>
+          </a:stretch>
+        </p:blipFill>
+        <p:spPr>
+          <a:xfrm>
+            <a:off x="9073617" y="399620"/>
+            <a:ext cx="2519157" cy="991863"/>
+          </a:xfrm>
+          <a:prstGeom prst="rect">
+            <a:avLst/>
+          </a:prstGeom>
+        </p:spPr>
+      </p:pic>
+      <p:sp>
+        <p:nvSpPr>
+          <p:cNvPr id="9" name="标题 8">
+            <a:extLst>
+              <a:ext uri="{FF2B5EF4-FFF2-40B4-BE49-F238E27FC236}">
+                <a16:creationId xmlns:a16="http://schemas.microsoft.com/office/drawing/2014/main" id="{BF98613E-C742-CD46-89BD-FA8FCC0A7130}"/>
+              </a:ext>
+            </a:extLst>
+          </p:cNvPr>
+          <p:cNvSpPr>
+            <a:spLocks noGrp="1"/>
+          </p:cNvSpPr>
+          <p:nvPr>
+            <p:ph type="title"/>
+          </p:nvPr>
+        </p:nvSpPr>
+        <p:spPr>
+          <a:xfrm>
+            <a:off x="963167" y="2023572"/>
+            <a:ext cx="10265664" cy="1325563"/>
+          </a:xfrm>
+        </p:spPr>
+        <p:txBody>
+          <a:bodyPr anchor="b">
+            <a:normAutofit/>
+          </a:bodyPr>
+          <a:lstStyle>
+            <a:lvl1pPr>
+              <a:defRPr lang="zh-CN" altLang="en-US" sz="3600" b="0" kern="1200" cap="none" baseline="0" dirty="0">
+                <a:solidFill>
+                  <a:srgbClr val="660874"/>
+                </a:solidFill>
+                <a:latin typeface="+mj-lt"/>
+                <a:ea typeface="+mj-ea"/>
+                <a:cs typeface="+mj-cs"/>
+              </a:defRPr>
+            </a:lvl1pPr>
+          </a:lstStyle>
+          <a:p>
+            <a:r>
+              <a:rPr kumimoji="1" lang="zh-CN" altLang="en-US" dirty="0"/>
+              <a:t>单击此处编辑母版标题样式</a:t>
+            </a:r>
           </a:p>
         </p:txBody>
       </p:sp>
@@ -1144,6 +1129,9 @@
             <a:off x="447817" y="599725"/>
             <a:ext cx="11290859" cy="3557252"/>
           </a:xfrm>
+          <a:prstGeom prst="rect">
+            <a:avLst/>
+          </a:prstGeom>
         </p:spPr>
         <p:txBody>
           <a:bodyPr anchor="t">
@@ -1211,6 +1199,9 @@
             <a:off x="581193" y="4962417"/>
             <a:ext cx="11029617" cy="598671"/>
           </a:xfrm>
+          <a:prstGeom prst="rect">
+            <a:avLst/>
+          </a:prstGeom>
         </p:spPr>
         <p:txBody>
           <a:bodyPr>
@@ -1280,7 +1271,7 @@
           <a:p>
             <a:fld id="{E4551058-E5DB-324A-A8E9-6D3BEF243C3B}" type="datetimeFigureOut">
               <a:rPr kumimoji="1" lang="zh-CN" altLang="en-US" smtClean="0"/>
-              <a:t>2020/6/12</a:t>
+              <a:t>2022/6/9</a:t>
             </a:fld>
             <a:endParaRPr kumimoji="1" lang="zh-CN" altLang="en-US"/>
           </a:p>
@@ -1328,65 +1319,6 @@
           </a:p>
         </p:txBody>
       </p:sp>
-      <p:pic>
-        <p:nvPicPr>
-          <p:cNvPr id="9" name="图片 8">
-            <a:extLst>
-              <a:ext uri="{FF2B5EF4-FFF2-40B4-BE49-F238E27FC236}">
-                <a16:creationId xmlns:a16="http://schemas.microsoft.com/office/drawing/2014/main" id="{BC31443F-5E2C-E54C-9450-204B550B7026}"/>
-              </a:ext>
-            </a:extLst>
-          </p:cNvPr>
-          <p:cNvPicPr/>
-          <p:nvPr userDrawn="1"/>
-        </p:nvPicPr>
-        <p:blipFill rotWithShape="1">
-          <a:blip r:embed="rId2" cstate="print">
-            <a:clrChange>
-              <a:clrFrom>
-                <a:srgbClr val="FEFEFE"/>
-              </a:clrFrom>
-              <a:clrTo>
-                <a:srgbClr val="FEFEFE">
-                  <a:alpha val="0"/>
-                </a:srgbClr>
-              </a:clrTo>
-            </a:clrChange>
-            <a:duotone>
-              <a:schemeClr val="accent1">
-                <a:shade val="45000"/>
-                <a:satMod val="135000"/>
-              </a:schemeClr>
-              <a:prstClr val="white"/>
-            </a:duotone>
-            <a:extLst>
-              <a:ext uri="{BEBA8EAE-BF5A-486C-A8C5-ECC9F3942E4B}">
-                <a14:imgProps xmlns:a14="http://schemas.microsoft.com/office/drawing/2010/main">
-                  <a14:imgLayer r:embed="rId3">
-                    <a14:imgEffect>
-                      <a14:saturation sat="400000"/>
-                    </a14:imgEffect>
-                  </a14:imgLayer>
-                </a14:imgProps>
-              </a:ext>
-              <a:ext uri="{28A0092B-C50C-407E-A947-70E740481C1C}">
-                <a14:useLocalDpi xmlns:a14="http://schemas.microsoft.com/office/drawing/2010/main" val="0"/>
-              </a:ext>
-            </a:extLst>
-          </a:blip>
-          <a:srcRect/>
-          <a:stretch/>
-        </p:blipFill>
-        <p:spPr>
-          <a:xfrm>
-            <a:off x="7418876" y="6054012"/>
-            <a:ext cx="4191931" cy="475343"/>
-          </a:xfrm>
-          <a:prstGeom prst="rect">
-            <a:avLst/>
-          </a:prstGeom>
-        </p:spPr>
-      </p:pic>
     </p:spTree>
     <p:extLst>
       <p:ext uri="{BB962C8B-B14F-4D97-AF65-F5344CB8AC3E}">
@@ -1427,7 +1359,15 @@
             <p:ph type="body" orient="vert" idx="1"/>
           </p:nvPr>
         </p:nvSpPr>
-        <p:spPr/>
+        <p:spPr>
+          <a:xfrm>
+            <a:off x="833376" y="2111829"/>
+            <a:ext cx="10521388" cy="3379068"/>
+          </a:xfrm>
+          <a:prstGeom prst="rect">
+            <a:avLst/>
+          </a:prstGeom>
+        </p:spPr>
         <p:txBody>
           <a:bodyPr vert="eaVert" anchor="t"/>
           <a:lstStyle>
@@ -1502,7 +1442,7 @@
           <a:p>
             <a:fld id="{E4551058-E5DB-324A-A8E9-6D3BEF243C3B}" type="datetimeFigureOut">
               <a:rPr kumimoji="1" lang="zh-CN" altLang="en-US" smtClean="0"/>
-              <a:t>2020/6/12</a:t>
+              <a:t>2022/6/9</a:t>
             </a:fld>
             <a:endParaRPr kumimoji="1" lang="zh-CN" altLang="en-US"/>
           </a:p>
@@ -1552,10 +1492,10 @@
       </p:sp>
       <p:sp>
         <p:nvSpPr>
-          <p:cNvPr id="2" name="标题 1">
+          <p:cNvPr id="7" name="标题 6">
             <a:extLst>
               <a:ext uri="{FF2B5EF4-FFF2-40B4-BE49-F238E27FC236}">
-                <a16:creationId xmlns:a16="http://schemas.microsoft.com/office/drawing/2014/main" id="{FD92ADC6-CE60-BE46-B46D-E72C08A66F9E}"/>
+                <a16:creationId xmlns:a16="http://schemas.microsoft.com/office/drawing/2014/main" id="{84C251F1-1C9C-A640-9BF3-05FF6ECBF55F}"/>
               </a:ext>
             </a:extLst>
           </p:cNvPr>
@@ -1572,7 +1512,7 @@
           <a:lstStyle/>
           <a:p>
             <a:r>
-              <a:rPr kumimoji="1" lang="zh-CN" altLang="en-US"/>
+              <a:rPr kumimoji="1" lang="zh-CN" altLang="en-US" dirty="0"/>
               <a:t>单击此处编辑母版标题样式</a:t>
             </a:r>
           </a:p>
@@ -1711,6 +1651,9 @@
             <a:off x="774923" y="675726"/>
             <a:ext cx="7791611" cy="5183073"/>
           </a:xfrm>
+          <a:prstGeom prst="rect">
+            <a:avLst/>
+          </a:prstGeom>
         </p:spPr>
         <p:txBody>
           <a:bodyPr vert="eaVert" anchor="t"/>
@@ -1776,7 +1719,7 @@
           <a:p>
             <a:fld id="{E4551058-E5DB-324A-A8E9-6D3BEF243C3B}" type="datetimeFigureOut">
               <a:rPr kumimoji="1" lang="zh-CN" altLang="en-US" smtClean="0"/>
-              <a:t>2020/6/12</a:t>
+              <a:t>2022/6/9</a:t>
             </a:fld>
             <a:endParaRPr kumimoji="1" lang="zh-CN" altLang="en-US"/>
           </a:p>
@@ -1836,65 +1779,6 @@
           </a:p>
         </p:txBody>
       </p:sp>
-      <p:pic>
-        <p:nvPicPr>
-          <p:cNvPr id="13" name="图片 12">
-            <a:extLst>
-              <a:ext uri="{FF2B5EF4-FFF2-40B4-BE49-F238E27FC236}">
-                <a16:creationId xmlns:a16="http://schemas.microsoft.com/office/drawing/2014/main" id="{0564E91E-AD25-E84D-B251-2B169689F71C}"/>
-              </a:ext>
-            </a:extLst>
-          </p:cNvPr>
-          <p:cNvPicPr/>
-          <p:nvPr userDrawn="1"/>
-        </p:nvPicPr>
-        <p:blipFill rotWithShape="1">
-          <a:blip r:embed="rId2" cstate="print">
-            <a:clrChange>
-              <a:clrFrom>
-                <a:srgbClr val="FEFEFE"/>
-              </a:clrFrom>
-              <a:clrTo>
-                <a:srgbClr val="FEFEFE">
-                  <a:alpha val="0"/>
-                </a:srgbClr>
-              </a:clrTo>
-            </a:clrChange>
-            <a:duotone>
-              <a:schemeClr val="accent1">
-                <a:shade val="45000"/>
-                <a:satMod val="135000"/>
-              </a:schemeClr>
-              <a:prstClr val="white"/>
-            </a:duotone>
-            <a:extLst>
-              <a:ext uri="{BEBA8EAE-BF5A-486C-A8C5-ECC9F3942E4B}">
-                <a14:imgProps xmlns:a14="http://schemas.microsoft.com/office/drawing/2010/main">
-                  <a14:imgLayer r:embed="rId3">
-                    <a14:imgEffect>
-                      <a14:saturation sat="400000"/>
-                    </a14:imgEffect>
-                  </a14:imgLayer>
-                </a14:imgProps>
-              </a:ext>
-              <a:ext uri="{28A0092B-C50C-407E-A947-70E740481C1C}">
-                <a14:useLocalDpi xmlns:a14="http://schemas.microsoft.com/office/drawing/2010/main" val="0"/>
-              </a:ext>
-            </a:extLst>
-          </a:blip>
-          <a:srcRect/>
-          <a:stretch/>
-        </p:blipFill>
-        <p:spPr>
-          <a:xfrm>
-            <a:off x="7418876" y="6054012"/>
-            <a:ext cx="4191931" cy="475343"/>
-          </a:xfrm>
-          <a:prstGeom prst="rect">
-            <a:avLst/>
-          </a:prstGeom>
-        </p:spPr>
-      </p:pic>
     </p:spTree>
     <p:extLst>
       <p:ext uri="{BB962C8B-B14F-4D97-AF65-F5344CB8AC3E}">
@@ -1927,67 +1811,10 @@
       </p:grpSpPr>
       <p:sp>
         <p:nvSpPr>
-          <p:cNvPr id="3" name="Content Placeholder 2"/>
-          <p:cNvSpPr>
-            <a:spLocks noGrp="1"/>
-          </p:cNvSpPr>
-          <p:nvPr>
-            <p:ph idx="1"/>
-          </p:nvPr>
-        </p:nvSpPr>
-        <p:spPr>
-          <a:xfrm>
-            <a:off x="833377" y="2180498"/>
-            <a:ext cx="10521387" cy="3678303"/>
-          </a:xfrm>
-        </p:spPr>
-        <p:txBody>
-          <a:bodyPr/>
-          <a:lstStyle/>
-          <a:p>
-            <a:pPr lvl="0"/>
-            <a:r>
-              <a:rPr lang="zh-CN" altLang="en-US"/>
-              <a:t>单击此处编辑母版文本样式</a:t>
-            </a:r>
-          </a:p>
-          <a:p>
-            <a:pPr lvl="1"/>
-            <a:r>
-              <a:rPr lang="zh-CN" altLang="en-US"/>
-              <a:t>二级</a:t>
-            </a:r>
-          </a:p>
-          <a:p>
-            <a:pPr lvl="2"/>
-            <a:r>
-              <a:rPr lang="zh-CN" altLang="en-US"/>
-              <a:t>三级</a:t>
-            </a:r>
-          </a:p>
-          <a:p>
-            <a:pPr lvl="3"/>
-            <a:r>
-              <a:rPr lang="zh-CN" altLang="en-US"/>
-              <a:t>四级</a:t>
-            </a:r>
-          </a:p>
-          <a:p>
-            <a:pPr lvl="4"/>
-            <a:r>
-              <a:rPr lang="zh-CN" altLang="en-US"/>
-              <a:t>五级</a:t>
-            </a:r>
-            <a:endParaRPr lang="en-US" dirty="0"/>
-          </a:p>
-        </p:txBody>
-      </p:sp>
-      <p:sp>
-        <p:nvSpPr>
-          <p:cNvPr id="10" name="标题 9">
+          <p:cNvPr id="2" name="日期占位符 1">
             <a:extLst>
               <a:ext uri="{FF2B5EF4-FFF2-40B4-BE49-F238E27FC236}">
-                <a16:creationId xmlns:a16="http://schemas.microsoft.com/office/drawing/2014/main" id="{B3414000-0475-7845-9508-337FFFC1B7E8}"/>
+                <a16:creationId xmlns:a16="http://schemas.microsoft.com/office/drawing/2014/main" id="{68BC206B-21AF-2048-B8C2-02D34676B96F}"/>
               </a:ext>
             </a:extLst>
           </p:cNvPr>
@@ -1995,7 +1822,7 @@
             <a:spLocks noGrp="1"/>
           </p:cNvSpPr>
           <p:nvPr>
-            <p:ph type="title"/>
+            <p:ph type="dt" sz="half" idx="10"/>
           </p:nvPr>
         </p:nvSpPr>
         <p:spPr/>
@@ -2003,19 +1830,20 @@
           <a:bodyPr/>
           <a:lstStyle/>
           <a:p>
-            <a:r>
-              <a:rPr kumimoji="1" lang="zh-CN" altLang="en-US"/>
-              <a:t>单击此处编辑母版标题样式</a:t>
-            </a:r>
-          </a:p>
-        </p:txBody>
-      </p:sp>
-      <p:sp>
-        <p:nvSpPr>
-          <p:cNvPr id="11" name="日期占位符 10">
+            <a:fld id="{E4551058-E5DB-324A-A8E9-6D3BEF243C3B}" type="datetimeFigureOut">
+              <a:rPr kumimoji="1" lang="zh-CN" altLang="en-US" smtClean="0"/>
+              <a:t>2022/6/9</a:t>
+            </a:fld>
+            <a:endParaRPr kumimoji="1" lang="zh-CN" altLang="en-US"/>
+          </a:p>
+        </p:txBody>
+      </p:sp>
+      <p:sp>
+        <p:nvSpPr>
+          <p:cNvPr id="4" name="页脚占位符 3">
             <a:extLst>
               <a:ext uri="{FF2B5EF4-FFF2-40B4-BE49-F238E27FC236}">
-                <a16:creationId xmlns:a16="http://schemas.microsoft.com/office/drawing/2014/main" id="{2265DA69-D9B6-384B-91FC-5C225D983B6A}"/>
+                <a16:creationId xmlns:a16="http://schemas.microsoft.com/office/drawing/2014/main" id="{310A914D-220E-194F-89A4-BA7B89110CC1}"/>
               </a:ext>
             </a:extLst>
           </p:cNvPr>
@@ -2023,7 +1851,7 @@
             <a:spLocks noGrp="1"/>
           </p:cNvSpPr>
           <p:nvPr>
-            <p:ph type="dt" sz="half" idx="10"/>
+            <p:ph type="ftr" sz="quarter" idx="11"/>
           </p:nvPr>
         </p:nvSpPr>
         <p:spPr/>
@@ -2031,45 +1859,16 @@
           <a:bodyPr/>
           <a:lstStyle/>
           <a:p>
-            <a:fld id="{E4551058-E5DB-324A-A8E9-6D3BEF243C3B}" type="datetimeFigureOut">
-              <a:rPr kumimoji="1" lang="zh-CN" altLang="en-US" smtClean="0"/>
-              <a:t>2020/6/12</a:t>
-            </a:fld>
-            <a:endParaRPr kumimoji="1" lang="zh-CN" altLang="en-US"/>
-          </a:p>
-        </p:txBody>
-      </p:sp>
-      <p:sp>
-        <p:nvSpPr>
-          <p:cNvPr id="12" name="页脚占位符 11">
+            <a:endParaRPr kumimoji="1" lang="zh-CN" altLang="en-US" dirty="0"/>
+          </a:p>
+        </p:txBody>
+      </p:sp>
+      <p:sp>
+        <p:nvSpPr>
+          <p:cNvPr id="5" name="灯片编号占位符 4">
             <a:extLst>
               <a:ext uri="{FF2B5EF4-FFF2-40B4-BE49-F238E27FC236}">
-                <a16:creationId xmlns:a16="http://schemas.microsoft.com/office/drawing/2014/main" id="{198CD9FF-6143-0B4F-B35B-FC5B48F32263}"/>
-              </a:ext>
-            </a:extLst>
-          </p:cNvPr>
-          <p:cNvSpPr>
-            <a:spLocks noGrp="1"/>
-          </p:cNvSpPr>
-          <p:nvPr>
-            <p:ph type="ftr" sz="quarter" idx="11"/>
-          </p:nvPr>
-        </p:nvSpPr>
-        <p:spPr/>
-        <p:txBody>
-          <a:bodyPr/>
-          <a:lstStyle/>
-          <a:p>
-            <a:endParaRPr kumimoji="1" lang="zh-CN" altLang="en-US" dirty="0"/>
-          </a:p>
-        </p:txBody>
-      </p:sp>
-      <p:sp>
-        <p:nvSpPr>
-          <p:cNvPr id="13" name="灯片编号占位符 12">
-            <a:extLst>
-              <a:ext uri="{FF2B5EF4-FFF2-40B4-BE49-F238E27FC236}">
-                <a16:creationId xmlns:a16="http://schemas.microsoft.com/office/drawing/2014/main" id="{B99E00C6-785E-8740-9B07-6D282AB53790}"/>
+                <a16:creationId xmlns:a16="http://schemas.microsoft.com/office/drawing/2014/main" id="{CBD13FCE-5499-EA41-85BE-AEB592F65F11}"/>
               </a:ext>
             </a:extLst>
           </p:cNvPr>
@@ -2090,6 +1889,101 @@
               <a:t>‹#›</a:t>
             </a:fld>
             <a:endParaRPr kumimoji="1" lang="zh-CN" altLang="en-US"/>
+          </a:p>
+        </p:txBody>
+      </p:sp>
+      <p:sp>
+        <p:nvSpPr>
+          <p:cNvPr id="16" name="文本占位符 11">
+            <a:extLst>
+              <a:ext uri="{FF2B5EF4-FFF2-40B4-BE49-F238E27FC236}">
+                <a16:creationId xmlns:a16="http://schemas.microsoft.com/office/drawing/2014/main" id="{F1297FE0-3BB9-B64C-AC4D-632A56249001}"/>
+              </a:ext>
+            </a:extLst>
+          </p:cNvPr>
+          <p:cNvSpPr>
+            <a:spLocks noGrp="1"/>
+          </p:cNvSpPr>
+          <p:nvPr>
+            <p:ph type="body" idx="1"/>
+          </p:nvPr>
+        </p:nvSpPr>
+        <p:spPr>
+          <a:xfrm>
+            <a:off x="838200" y="1825625"/>
+            <a:ext cx="10515600" cy="3682546"/>
+          </a:xfrm>
+          <a:prstGeom prst="rect">
+            <a:avLst/>
+          </a:prstGeom>
+        </p:spPr>
+        <p:txBody>
+          <a:bodyPr vert="horz" lIns="91440" tIns="45720" rIns="91440" bIns="45720" rtlCol="0">
+            <a:normAutofit/>
+          </a:bodyPr>
+          <a:lstStyle/>
+          <a:p>
+            <a:pPr lvl="0"/>
+            <a:r>
+              <a:rPr kumimoji="1" lang="zh-CN" altLang="en-US" dirty="0"/>
+              <a:t>单击此处编辑母版文本样式</a:t>
+            </a:r>
+          </a:p>
+          <a:p>
+            <a:pPr lvl="1"/>
+            <a:r>
+              <a:rPr kumimoji="1" lang="zh-CN" altLang="en-US" dirty="0"/>
+              <a:t>二级</a:t>
+            </a:r>
+          </a:p>
+          <a:p>
+            <a:pPr lvl="2"/>
+            <a:r>
+              <a:rPr kumimoji="1" lang="zh-CN" altLang="en-US" dirty="0"/>
+              <a:t>三级</a:t>
+            </a:r>
+          </a:p>
+          <a:p>
+            <a:pPr lvl="3"/>
+            <a:r>
+              <a:rPr kumimoji="1" lang="zh-CN" altLang="en-US" dirty="0"/>
+              <a:t>四级</a:t>
+            </a:r>
+          </a:p>
+          <a:p>
+            <a:pPr lvl="4"/>
+            <a:r>
+              <a:rPr kumimoji="1" lang="zh-CN" altLang="en-US" dirty="0"/>
+              <a:t>五级</a:t>
+            </a:r>
+          </a:p>
+        </p:txBody>
+      </p:sp>
+      <p:sp>
+        <p:nvSpPr>
+          <p:cNvPr id="9" name="标题 8">
+            <a:extLst>
+              <a:ext uri="{FF2B5EF4-FFF2-40B4-BE49-F238E27FC236}">
+                <a16:creationId xmlns:a16="http://schemas.microsoft.com/office/drawing/2014/main" id="{808527B2-D8A8-804C-84C3-640A2789E7B8}"/>
+              </a:ext>
+            </a:extLst>
+          </p:cNvPr>
+          <p:cNvSpPr>
+            <a:spLocks noGrp="1"/>
+          </p:cNvSpPr>
+          <p:nvPr>
+            <p:ph type="title"/>
+          </p:nvPr>
+        </p:nvSpPr>
+        <p:spPr/>
+        <p:txBody>
+          <a:bodyPr/>
+          <a:lstStyle/>
+          <a:p>
+            <a:r>
+              <a:rPr kumimoji="1" lang="zh-CN" altLang="en-US" dirty="0"/>
+              <a:t>单击此处编辑母版标题样式</a:t>
+            </a:r>
           </a:p>
         </p:txBody>
       </p:sp>
@@ -2144,6 +2038,9 @@
             <a:off x="1431883" y="2118167"/>
             <a:ext cx="10178926" cy="3602477"/>
           </a:xfrm>
+          <a:prstGeom prst="rect">
+            <a:avLst/>
+          </a:prstGeom>
         </p:spPr>
         <p:txBody>
           <a:bodyPr anchor="ctr">
@@ -2232,7 +2129,7 @@
           <a:p>
             <a:fld id="{E4551058-E5DB-324A-A8E9-6D3BEF243C3B}" type="datetimeFigureOut">
               <a:rPr kumimoji="1" lang="zh-CN" altLang="en-US" smtClean="0"/>
-              <a:t>2020/6/12</a:t>
+              <a:t>2022/6/9</a:t>
             </a:fld>
             <a:endParaRPr kumimoji="1" lang="zh-CN" altLang="en-US"/>
           </a:p>
@@ -2388,65 +2285,6 @@
           </a:fontRef>
         </p:style>
       </p:sp>
-      <p:pic>
-        <p:nvPicPr>
-          <p:cNvPr id="9" name="图片 8">
-            <a:extLst>
-              <a:ext uri="{FF2B5EF4-FFF2-40B4-BE49-F238E27FC236}">
-                <a16:creationId xmlns:a16="http://schemas.microsoft.com/office/drawing/2014/main" id="{5486C05D-29C6-DD43-A707-AAD5F66C1615}"/>
-              </a:ext>
-            </a:extLst>
-          </p:cNvPr>
-          <p:cNvPicPr/>
-          <p:nvPr userDrawn="1"/>
-        </p:nvPicPr>
-        <p:blipFill rotWithShape="1">
-          <a:blip r:embed="rId2" cstate="print">
-            <a:clrChange>
-              <a:clrFrom>
-                <a:srgbClr val="FEFEFE"/>
-              </a:clrFrom>
-              <a:clrTo>
-                <a:srgbClr val="FEFEFE">
-                  <a:alpha val="0"/>
-                </a:srgbClr>
-              </a:clrTo>
-            </a:clrChange>
-            <a:duotone>
-              <a:schemeClr val="accent1">
-                <a:shade val="45000"/>
-                <a:satMod val="135000"/>
-              </a:schemeClr>
-              <a:prstClr val="white"/>
-            </a:duotone>
-            <a:extLst>
-              <a:ext uri="{BEBA8EAE-BF5A-486C-A8C5-ECC9F3942E4B}">
-                <a14:imgProps xmlns:a14="http://schemas.microsoft.com/office/drawing/2010/main">
-                  <a14:imgLayer r:embed="rId3">
-                    <a14:imgEffect>
-                      <a14:saturation sat="400000"/>
-                    </a14:imgEffect>
-                  </a14:imgLayer>
-                </a14:imgProps>
-              </a:ext>
-              <a:ext uri="{28A0092B-C50C-407E-A947-70E740481C1C}">
-                <a14:useLocalDpi xmlns:a14="http://schemas.microsoft.com/office/drawing/2010/main" val="0"/>
-              </a:ext>
-            </a:extLst>
-          </a:blip>
-          <a:srcRect/>
-          <a:stretch/>
-        </p:blipFill>
-        <p:spPr>
-          <a:xfrm>
-            <a:off x="7418876" y="6054012"/>
-            <a:ext cx="4191931" cy="475343"/>
-          </a:xfrm>
-          <a:prstGeom prst="rect">
-            <a:avLst/>
-          </a:prstGeom>
-        </p:spPr>
-      </p:pic>
     </p:spTree>
     <p:extLst>
       <p:ext uri="{BB962C8B-B14F-4D97-AF65-F5344CB8AC3E}">
@@ -2603,57 +2441,6 @@
       </p:grpSp>
       <p:sp>
         <p:nvSpPr>
-          <p:cNvPr id="24" name="Title 1">
-            <a:extLst>
-              <a:ext uri="{FF2B5EF4-FFF2-40B4-BE49-F238E27FC236}">
-                <a16:creationId xmlns:a16="http://schemas.microsoft.com/office/drawing/2014/main" id="{B3AEDE27-05BC-DA44-AA23-81C54830A0F4}"/>
-              </a:ext>
-            </a:extLst>
-          </p:cNvPr>
-          <p:cNvSpPr>
-            <a:spLocks noGrp="1"/>
-          </p:cNvSpPr>
-          <p:nvPr>
-            <p:ph type="ctrTitle"/>
-          </p:nvPr>
-        </p:nvSpPr>
-        <p:spPr>
-          <a:xfrm>
-            <a:off x="963169" y="2028083"/>
-            <a:ext cx="10265664" cy="1376851"/>
-          </a:xfrm>
-          <a:prstGeom prst="rect">
-            <a:avLst/>
-          </a:prstGeom>
-          <a:effectLst/>
-        </p:spPr>
-        <p:txBody>
-          <a:bodyPr anchor="ctr">
-            <a:normAutofit/>
-          </a:bodyPr>
-          <a:lstStyle>
-            <a:lvl1pPr algn="l">
-              <a:defRPr lang="en-US" altLang="en-US" sz="3600" b="0" kern="1200" cap="all" dirty="0">
-                <a:solidFill>
-                  <a:srgbClr val="5C307D"/>
-                </a:solidFill>
-                <a:latin typeface="+mj-lt"/>
-                <a:ea typeface="+mj-ea"/>
-                <a:cs typeface="+mj-cs"/>
-              </a:defRPr>
-            </a:lvl1pPr>
-          </a:lstStyle>
-          <a:p>
-            <a:r>
-              <a:rPr lang="zh-CN" altLang="en-US" dirty="0"/>
-              <a:t>单击此处编辑母版标题样式</a:t>
-            </a:r>
-            <a:endParaRPr lang="en-US" dirty="0"/>
-          </a:p>
-        </p:txBody>
-      </p:sp>
-      <p:sp>
-        <p:nvSpPr>
           <p:cNvPr id="25" name="Subtitle 2">
             <a:extLst>
               <a:ext uri="{FF2B5EF4-FFF2-40B4-BE49-F238E27FC236}">
@@ -2673,6 +2460,9 @@
             <a:off x="963169" y="3830629"/>
             <a:ext cx="10265664" cy="1340999"/>
           </a:xfrm>
+          <a:prstGeom prst="rect">
+            <a:avLst/>
+          </a:prstGeom>
         </p:spPr>
         <p:txBody>
           <a:bodyPr anchor="t">
@@ -2805,7 +2595,7 @@
           <a:p>
             <a:fld id="{E4551058-E5DB-324A-A8E9-6D3BEF243C3B}" type="datetimeFigureOut">
               <a:rPr kumimoji="1" lang="zh-CN" altLang="en-US" smtClean="0"/>
-              <a:t>2020/6/12</a:t>
+              <a:t>2022/6/9</a:t>
             </a:fld>
             <a:endParaRPr kumimoji="1" lang="zh-CN" altLang="en-US"/>
           </a:p>
@@ -2875,65 +2665,45 @@
           </a:p>
         </p:txBody>
       </p:sp>
-      <p:pic>
-        <p:nvPicPr>
-          <p:cNvPr id="11" name="图片 10">
+      <p:sp>
+        <p:nvSpPr>
+          <p:cNvPr id="3" name="标题 2">
             <a:extLst>
               <a:ext uri="{FF2B5EF4-FFF2-40B4-BE49-F238E27FC236}">
-                <a16:creationId xmlns:a16="http://schemas.microsoft.com/office/drawing/2014/main" id="{0B9F3DE6-D971-6546-AD7E-4FD54F33CDE7}"/>
+                <a16:creationId xmlns:a16="http://schemas.microsoft.com/office/drawing/2014/main" id="{2DCF5355-3BF2-774E-B550-673024387E81}"/>
               </a:ext>
             </a:extLst>
           </p:cNvPr>
-          <p:cNvPicPr/>
-          <p:nvPr userDrawn="1"/>
-        </p:nvPicPr>
-        <p:blipFill rotWithShape="1">
-          <a:blip r:embed="rId2" cstate="print">
-            <a:clrChange>
-              <a:clrFrom>
-                <a:srgbClr val="FEFEFE"/>
-              </a:clrFrom>
-              <a:clrTo>
-                <a:srgbClr val="FEFEFE">
-                  <a:alpha val="0"/>
-                </a:srgbClr>
-              </a:clrTo>
-            </a:clrChange>
-            <a:duotone>
-              <a:schemeClr val="accent1">
-                <a:shade val="45000"/>
-                <a:satMod val="135000"/>
-              </a:schemeClr>
-              <a:prstClr val="white"/>
-            </a:duotone>
-            <a:extLst>
-              <a:ext uri="{BEBA8EAE-BF5A-486C-A8C5-ECC9F3942E4B}">
-                <a14:imgProps xmlns:a14="http://schemas.microsoft.com/office/drawing/2010/main">
-                  <a14:imgLayer r:embed="rId3">
-                    <a14:imgEffect>
-                      <a14:saturation sat="400000"/>
-                    </a14:imgEffect>
-                  </a14:imgLayer>
-                </a14:imgProps>
-              </a:ext>
-              <a:ext uri="{28A0092B-C50C-407E-A947-70E740481C1C}">
-                <a14:useLocalDpi xmlns:a14="http://schemas.microsoft.com/office/drawing/2010/main" val="0"/>
-              </a:ext>
-            </a:extLst>
-          </a:blip>
-          <a:srcRect/>
-          <a:stretch/>
-        </p:blipFill>
-        <p:spPr>
-          <a:xfrm>
-            <a:off x="7418876" y="6054012"/>
-            <a:ext cx="4191931" cy="475343"/>
-          </a:xfrm>
-          <a:prstGeom prst="rect">
-            <a:avLst/>
-          </a:prstGeom>
-        </p:spPr>
-      </p:pic>
+          <p:cNvSpPr>
+            <a:spLocks noGrp="1"/>
+          </p:cNvSpPr>
+          <p:nvPr>
+            <p:ph type="title"/>
+          </p:nvPr>
+        </p:nvSpPr>
+        <p:spPr>
+          <a:xfrm>
+            <a:off x="963169" y="1909598"/>
+            <a:ext cx="10265664" cy="1556843"/>
+          </a:xfrm>
+        </p:spPr>
+        <p:txBody>
+          <a:bodyPr>
+            <a:normAutofit/>
+          </a:bodyPr>
+          <a:lstStyle>
+            <a:lvl1pPr>
+              <a:defRPr sz="3600"/>
+            </a:lvl1pPr>
+          </a:lstStyle>
+          <a:p>
+            <a:r>
+              <a:rPr kumimoji="1" lang="zh-CN" altLang="en-US" dirty="0"/>
+              <a:t>单击此处编辑母版标题样式</a:t>
+            </a:r>
+          </a:p>
+        </p:txBody>
+      </p:sp>
     </p:spTree>
     <p:extLst>
       <p:ext uri="{BB962C8B-B14F-4D97-AF65-F5344CB8AC3E}">
@@ -2976,9 +2746,12 @@
         </p:nvSpPr>
         <p:spPr>
           <a:xfrm>
-            <a:off x="581194" y="2228004"/>
-            <a:ext cx="5422391" cy="3633047"/>
-          </a:xfrm>
+            <a:off x="581194" y="2228005"/>
+            <a:ext cx="5422391" cy="3242630"/>
+          </a:xfrm>
+          <a:prstGeom prst="rect">
+            <a:avLst/>
+          </a:prstGeom>
         </p:spPr>
         <p:txBody>
           <a:bodyPr>
@@ -2988,35 +2761,35 @@
           <a:p>
             <a:pPr lvl="0"/>
             <a:r>
-              <a:rPr lang="zh-CN" altLang="en-US"/>
+              <a:rPr lang="zh-CN" altLang="en-US" dirty="0"/>
               <a:t>单击此处编辑母版文本样式</a:t>
             </a:r>
           </a:p>
           <a:p>
             <a:pPr lvl="1"/>
             <a:r>
-              <a:rPr lang="zh-CN" altLang="en-US"/>
+              <a:rPr lang="zh-CN" altLang="en-US" dirty="0"/>
               <a:t>二级</a:t>
             </a:r>
           </a:p>
           <a:p>
             <a:pPr lvl="2"/>
             <a:r>
-              <a:rPr lang="zh-CN" altLang="en-US"/>
+              <a:rPr lang="zh-CN" altLang="en-US" dirty="0"/>
               <a:t>三级</a:t>
             </a:r>
           </a:p>
           <a:p>
             <a:pPr lvl="3"/>
             <a:r>
-              <a:rPr lang="zh-CN" altLang="en-US"/>
+              <a:rPr lang="zh-CN" altLang="en-US" dirty="0"/>
               <a:t>四级</a:t>
             </a:r>
           </a:p>
           <a:p>
             <a:pPr lvl="4"/>
             <a:r>
-              <a:rPr lang="zh-CN" altLang="en-US"/>
+              <a:rPr lang="zh-CN" altLang="en-US" dirty="0"/>
               <a:t>五级</a:t>
             </a:r>
             <a:endParaRPr lang="en-US" dirty="0"/>
@@ -3035,9 +2808,12 @@
         </p:nvSpPr>
         <p:spPr>
           <a:xfrm>
-            <a:off x="6188417" y="2228004"/>
-            <a:ext cx="5422392" cy="3633047"/>
-          </a:xfrm>
+            <a:off x="6188417" y="2228005"/>
+            <a:ext cx="5422392" cy="3242630"/>
+          </a:xfrm>
+          <a:prstGeom prst="rect">
+            <a:avLst/>
+          </a:prstGeom>
         </p:spPr>
         <p:txBody>
           <a:bodyPr>
@@ -3047,35 +2823,35 @@
           <a:p>
             <a:pPr lvl="0"/>
             <a:r>
-              <a:rPr lang="zh-CN" altLang="en-US"/>
+              <a:rPr lang="zh-CN" altLang="en-US" dirty="0"/>
               <a:t>单击此处编辑母版文本样式</a:t>
             </a:r>
           </a:p>
           <a:p>
             <a:pPr lvl="1"/>
             <a:r>
-              <a:rPr lang="zh-CN" altLang="en-US"/>
+              <a:rPr lang="zh-CN" altLang="en-US" dirty="0"/>
               <a:t>二级</a:t>
             </a:r>
           </a:p>
           <a:p>
             <a:pPr lvl="2"/>
             <a:r>
-              <a:rPr lang="zh-CN" altLang="en-US"/>
+              <a:rPr lang="zh-CN" altLang="en-US" dirty="0"/>
               <a:t>三级</a:t>
             </a:r>
           </a:p>
           <a:p>
             <a:pPr lvl="3"/>
             <a:r>
-              <a:rPr lang="zh-CN" altLang="en-US"/>
+              <a:rPr lang="zh-CN" altLang="en-US" dirty="0"/>
               <a:t>四级</a:t>
             </a:r>
           </a:p>
           <a:p>
             <a:pPr lvl="4"/>
             <a:r>
-              <a:rPr lang="zh-CN" altLang="en-US"/>
+              <a:rPr lang="zh-CN" altLang="en-US" dirty="0"/>
               <a:t>五级</a:t>
             </a:r>
             <a:endParaRPr lang="en-US" dirty="0"/>
@@ -3099,7 +2875,7 @@
           <a:p>
             <a:fld id="{E4551058-E5DB-324A-A8E9-6D3BEF243C3B}" type="datetimeFigureOut">
               <a:rPr kumimoji="1" lang="zh-CN" altLang="en-US" smtClean="0"/>
-              <a:t>2020/6/12</a:t>
+              <a:t>2022/6/9</a:t>
             </a:fld>
             <a:endParaRPr kumimoji="1" lang="zh-CN" altLang="en-US"/>
           </a:p>
@@ -3149,10 +2925,10 @@
       </p:sp>
       <p:sp>
         <p:nvSpPr>
-          <p:cNvPr id="2" name="标题 1">
+          <p:cNvPr id="8" name="标题 7">
             <a:extLst>
               <a:ext uri="{FF2B5EF4-FFF2-40B4-BE49-F238E27FC236}">
-                <a16:creationId xmlns:a16="http://schemas.microsoft.com/office/drawing/2014/main" id="{590C7D26-A2BB-CE43-BB2A-2808F22C4FD2}"/>
+                <a16:creationId xmlns:a16="http://schemas.microsoft.com/office/drawing/2014/main" id="{7A00BA7C-B7C4-294B-9F35-03377421661B}"/>
               </a:ext>
             </a:extLst>
           </p:cNvPr>
@@ -3217,9 +2993,12 @@
         </p:nvSpPr>
         <p:spPr>
           <a:xfrm>
-            <a:off x="887220" y="2250894"/>
+            <a:off x="887220" y="1840986"/>
             <a:ext cx="5087075" cy="536005"/>
           </a:xfrm>
+          <a:prstGeom prst="rect">
+            <a:avLst/>
+          </a:prstGeom>
         </p:spPr>
         <p:txBody>
           <a:bodyPr anchor="b">
@@ -3270,7 +3049,7 @@
           <a:p>
             <a:pPr lvl="0"/>
             <a:r>
-              <a:rPr lang="zh-CN" altLang="en-US"/>
+              <a:rPr lang="zh-CN" altLang="en-US" dirty="0"/>
               <a:t>单击此处编辑母版文本样式</a:t>
             </a:r>
           </a:p>
@@ -3288,9 +3067,12 @@
         </p:nvSpPr>
         <p:spPr>
           <a:xfrm>
-            <a:off x="581195" y="2926054"/>
+            <a:off x="581195" y="2516146"/>
             <a:ext cx="5393100" cy="2934999"/>
           </a:xfrm>
+          <a:prstGeom prst="rect">
+            <a:avLst/>
+          </a:prstGeom>
         </p:spPr>
         <p:txBody>
           <a:bodyPr anchor="t">
@@ -3347,9 +3129,12 @@
         </p:nvSpPr>
         <p:spPr>
           <a:xfrm>
-            <a:off x="6523737" y="2250894"/>
+            <a:off x="6523737" y="1840986"/>
             <a:ext cx="5087073" cy="553373"/>
           </a:xfrm>
+          <a:prstGeom prst="rect">
+            <a:avLst/>
+          </a:prstGeom>
         </p:spPr>
         <p:txBody>
           <a:bodyPr anchor="b">
@@ -3400,7 +3185,7 @@
           <a:p>
             <a:pPr lvl="0"/>
             <a:r>
-              <a:rPr lang="zh-CN" altLang="en-US"/>
+              <a:rPr lang="zh-CN" altLang="en-US" dirty="0"/>
               <a:t>单击此处编辑母版文本样式</a:t>
             </a:r>
           </a:p>
@@ -3418,9 +3203,12 @@
         </p:nvSpPr>
         <p:spPr>
           <a:xfrm>
-            <a:off x="6217710" y="2926054"/>
+            <a:off x="6217710" y="2516146"/>
             <a:ext cx="5393100" cy="2934999"/>
           </a:xfrm>
+          <a:prstGeom prst="rect">
+            <a:avLst/>
+          </a:prstGeom>
         </p:spPr>
         <p:txBody>
           <a:bodyPr anchor="t">
@@ -3482,7 +3270,7 @@
           <a:p>
             <a:fld id="{E4551058-E5DB-324A-A8E9-6D3BEF243C3B}" type="datetimeFigureOut">
               <a:rPr kumimoji="1" lang="zh-CN" altLang="en-US" smtClean="0"/>
-              <a:t>2020/6/12</a:t>
+              <a:t>2022/6/9</a:t>
             </a:fld>
             <a:endParaRPr kumimoji="1" lang="zh-CN" altLang="en-US"/>
           </a:p>
@@ -3532,10 +3320,10 @@
       </p:sp>
       <p:sp>
         <p:nvSpPr>
-          <p:cNvPr id="2" name="标题 1">
+          <p:cNvPr id="10" name="标题 9">
             <a:extLst>
               <a:ext uri="{FF2B5EF4-FFF2-40B4-BE49-F238E27FC236}">
-                <a16:creationId xmlns:a16="http://schemas.microsoft.com/office/drawing/2014/main" id="{395155F9-0BCA-F049-9D40-4CF28F90A407}"/>
+                <a16:creationId xmlns:a16="http://schemas.microsoft.com/office/drawing/2014/main" id="{DA88991B-B04D-964D-9FD5-C5FDD84D8F64}"/>
               </a:ext>
             </a:extLst>
           </p:cNvPr>
@@ -3552,7 +3340,7 @@
           <a:lstStyle/>
           <a:p>
             <a:r>
-              <a:rPr kumimoji="1" lang="zh-CN" altLang="en-US"/>
+              <a:rPr kumimoji="1" lang="zh-CN" altLang="en-US" dirty="0"/>
               <a:t>单击此处编辑母版标题样式</a:t>
             </a:r>
           </a:p>
@@ -3605,7 +3393,7 @@
           <a:p>
             <a:fld id="{E4551058-E5DB-324A-A8E9-6D3BEF243C3B}" type="datetimeFigureOut">
               <a:rPr kumimoji="1" lang="zh-CN" altLang="en-US" smtClean="0"/>
-              <a:t>2020/6/12</a:t>
+              <a:t>2022/6/9</a:t>
             </a:fld>
             <a:endParaRPr kumimoji="1" lang="zh-CN" altLang="en-US"/>
           </a:p>
@@ -3655,10 +3443,10 @@
       </p:sp>
       <p:sp>
         <p:nvSpPr>
-          <p:cNvPr id="2" name="标题 1">
+          <p:cNvPr id="6" name="标题 5">
             <a:extLst>
               <a:ext uri="{FF2B5EF4-FFF2-40B4-BE49-F238E27FC236}">
-                <a16:creationId xmlns:a16="http://schemas.microsoft.com/office/drawing/2014/main" id="{DC31502A-7294-9848-AFF1-6116ACE1419B}"/>
+                <a16:creationId xmlns:a16="http://schemas.microsoft.com/office/drawing/2014/main" id="{26D486A1-CD8C-8043-9CCC-31A4272B2E51}"/>
               </a:ext>
             </a:extLst>
           </p:cNvPr>
@@ -3675,7 +3463,7 @@
           <a:lstStyle/>
           <a:p>
             <a:r>
-              <a:rPr kumimoji="1" lang="zh-CN" altLang="en-US"/>
+              <a:rPr kumimoji="1" lang="zh-CN" altLang="en-US" dirty="0"/>
               <a:t>单击此处编辑母版标题样式</a:t>
             </a:r>
           </a:p>
@@ -3728,7 +3516,7 @@
           <a:p>
             <a:fld id="{E4551058-E5DB-324A-A8E9-6D3BEF243C3B}" type="datetimeFigureOut">
               <a:rPr kumimoji="1" lang="zh-CN" altLang="en-US" smtClean="0"/>
-              <a:t>2020/6/12</a:t>
+              <a:t>2022/6/9</a:t>
             </a:fld>
             <a:endParaRPr kumimoji="1" lang="zh-CN" altLang="en-US"/>
           </a:p>
@@ -3776,65 +3564,6 @@
           </a:p>
         </p:txBody>
       </p:sp>
-      <p:pic>
-        <p:nvPicPr>
-          <p:cNvPr id="6" name="图片 5">
-            <a:extLst>
-              <a:ext uri="{FF2B5EF4-FFF2-40B4-BE49-F238E27FC236}">
-                <a16:creationId xmlns:a16="http://schemas.microsoft.com/office/drawing/2014/main" id="{4D9AF46F-872C-C04A-AF83-BC1E8674B16A}"/>
-              </a:ext>
-            </a:extLst>
-          </p:cNvPr>
-          <p:cNvPicPr/>
-          <p:nvPr userDrawn="1"/>
-        </p:nvPicPr>
-        <p:blipFill rotWithShape="1">
-          <a:blip r:embed="rId2" cstate="print">
-            <a:clrChange>
-              <a:clrFrom>
-                <a:srgbClr val="FEFEFE"/>
-              </a:clrFrom>
-              <a:clrTo>
-                <a:srgbClr val="FEFEFE">
-                  <a:alpha val="0"/>
-                </a:srgbClr>
-              </a:clrTo>
-            </a:clrChange>
-            <a:duotone>
-              <a:schemeClr val="accent1">
-                <a:shade val="45000"/>
-                <a:satMod val="135000"/>
-              </a:schemeClr>
-              <a:prstClr val="white"/>
-            </a:duotone>
-            <a:extLst>
-              <a:ext uri="{BEBA8EAE-BF5A-486C-A8C5-ECC9F3942E4B}">
-                <a14:imgProps xmlns:a14="http://schemas.microsoft.com/office/drawing/2010/main">
-                  <a14:imgLayer r:embed="rId3">
-                    <a14:imgEffect>
-                      <a14:saturation sat="400000"/>
-                    </a14:imgEffect>
-                  </a14:imgLayer>
-                </a14:imgProps>
-              </a:ext>
-              <a:ext uri="{28A0092B-C50C-407E-A947-70E740481C1C}">
-                <a14:useLocalDpi xmlns:a14="http://schemas.microsoft.com/office/drawing/2010/main" val="0"/>
-              </a:ext>
-            </a:extLst>
-          </a:blip>
-          <a:srcRect/>
-          <a:stretch/>
-        </p:blipFill>
-        <p:spPr>
-          <a:xfrm>
-            <a:off x="7418876" y="6054012"/>
-            <a:ext cx="4191931" cy="475343"/>
-          </a:xfrm>
-          <a:prstGeom prst="rect">
-            <a:avLst/>
-          </a:prstGeom>
-        </p:spPr>
-      </p:pic>
     </p:spTree>
     <p:extLst>
       <p:ext uri="{BB962C8B-B14F-4D97-AF65-F5344CB8AC3E}">
@@ -3849,7 +3578,7 @@
 </file>
 
 <file path=ppt/slideLayouts/slideLayout9.xml><?xml version="1.0" encoding="utf-8"?>
-<p:sldLayout xmlns:a="http://schemas.openxmlformats.org/drawingml/2006/main" xmlns:r="http://schemas.openxmlformats.org/officeDocument/2006/relationships" xmlns:p="http://schemas.openxmlformats.org/presentationml/2006/main" showMasterSp="0" type="objTx" preserve="1">
+<p:sldLayout xmlns:a="http://schemas.openxmlformats.org/drawingml/2006/main" xmlns:r="http://schemas.openxmlformats.org/officeDocument/2006/relationships" xmlns:p="http://schemas.openxmlformats.org/presentationml/2006/main" showMasterSp="0" preserve="1" userDrawn="1">
   <p:cSld name="内容与标题">
     <p:spTree>
       <p:nvGrpSpPr>
@@ -3912,60 +3641,22 @@
       </p:sp>
       <p:sp>
         <p:nvSpPr>
-          <p:cNvPr id="2" name="Title 1"/>
-          <p:cNvSpPr>
-            <a:spLocks noGrp="1"/>
-          </p:cNvSpPr>
-          <p:nvPr>
-            <p:ph type="title"/>
-          </p:nvPr>
-        </p:nvSpPr>
-        <p:spPr>
-          <a:xfrm>
-            <a:off x="1021463" y="4928762"/>
-            <a:ext cx="10333301" cy="653148"/>
+          <p:cNvPr id="3" name="Content Placeholder 2"/>
+          <p:cNvSpPr>
+            <a:spLocks noGrp="1"/>
+          </p:cNvSpPr>
+          <p:nvPr>
+            <p:ph idx="1"/>
+          </p:nvPr>
+        </p:nvSpPr>
+        <p:spPr>
+          <a:xfrm>
+            <a:off x="447816" y="601200"/>
+            <a:ext cx="11292840" cy="4204800"/>
           </a:xfrm>
           <a:prstGeom prst="rect">
             <a:avLst/>
           </a:prstGeom>
-        </p:spPr>
-        <p:txBody>
-          <a:bodyPr anchor="ctr">
-            <a:normAutofit/>
-          </a:bodyPr>
-          <a:lstStyle>
-            <a:lvl1pPr algn="l">
-              <a:defRPr sz="2400" b="0">
-                <a:solidFill>
-                  <a:srgbClr val="5C307D"/>
-                </a:solidFill>
-              </a:defRPr>
-            </a:lvl1pPr>
-          </a:lstStyle>
-          <a:p>
-            <a:r>
-              <a:rPr lang="zh-CN" altLang="en-US" dirty="0"/>
-              <a:t>单击此处编辑母版标题样式</a:t>
-            </a:r>
-            <a:endParaRPr lang="en-US" dirty="0"/>
-          </a:p>
-        </p:txBody>
-      </p:sp>
-      <p:sp>
-        <p:nvSpPr>
-          <p:cNvPr id="3" name="Content Placeholder 2"/>
-          <p:cNvSpPr>
-            <a:spLocks noGrp="1"/>
-          </p:cNvSpPr>
-          <p:nvPr>
-            <p:ph idx="1"/>
-          </p:nvPr>
-        </p:nvSpPr>
-        <p:spPr>
-          <a:xfrm>
-            <a:off x="447816" y="601200"/>
-            <a:ext cx="11292840" cy="4204800"/>
-          </a:xfrm>
         </p:spPr>
         <p:txBody>
           <a:bodyPr anchor="ctr">
@@ -4039,35 +3730,35 @@
           <a:p>
             <a:pPr lvl="0"/>
             <a:r>
-              <a:rPr lang="zh-CN" altLang="en-US"/>
+              <a:rPr lang="zh-CN" altLang="en-US" dirty="0"/>
               <a:t>单击此处编辑母版文本样式</a:t>
             </a:r>
           </a:p>
           <a:p>
             <a:pPr lvl="1"/>
             <a:r>
-              <a:rPr lang="zh-CN" altLang="en-US"/>
+              <a:rPr lang="zh-CN" altLang="en-US" dirty="0"/>
               <a:t>二级</a:t>
             </a:r>
           </a:p>
           <a:p>
             <a:pPr lvl="2"/>
             <a:r>
-              <a:rPr lang="zh-CN" altLang="en-US"/>
+              <a:rPr lang="zh-CN" altLang="en-US" dirty="0"/>
               <a:t>三级</a:t>
             </a:r>
           </a:p>
           <a:p>
             <a:pPr lvl="3"/>
             <a:r>
-              <a:rPr lang="zh-CN" altLang="en-US"/>
+              <a:rPr lang="zh-CN" altLang="en-US" dirty="0"/>
               <a:t>四级</a:t>
             </a:r>
           </a:p>
           <a:p>
             <a:pPr lvl="4"/>
             <a:r>
-              <a:rPr lang="zh-CN" altLang="en-US"/>
+              <a:rPr lang="zh-CN" altLang="en-US" dirty="0"/>
               <a:t>五级</a:t>
             </a:r>
             <a:endParaRPr lang="en-US" dirty="0"/>
@@ -4076,19 +3767,162 @@
       </p:sp>
       <p:sp>
         <p:nvSpPr>
-          <p:cNvPr id="4" name="Text Placeholder 3"/>
-          <p:cNvSpPr>
-            <a:spLocks noGrp="1"/>
-          </p:cNvSpPr>
-          <p:nvPr>
-            <p:ph type="body" sz="half" idx="2"/>
-          </p:nvPr>
-        </p:nvSpPr>
-        <p:spPr>
-          <a:xfrm>
-            <a:off x="1021463" y="5581910"/>
-            <a:ext cx="10333301" cy="365126"/>
-          </a:xfrm>
+          <p:cNvPr id="13" name="日期占位符 12">
+            <a:extLst>
+              <a:ext uri="{FF2B5EF4-FFF2-40B4-BE49-F238E27FC236}">
+                <a16:creationId xmlns:a16="http://schemas.microsoft.com/office/drawing/2014/main" id="{27EF20E3-0B10-CC4C-8857-F75CEE19C8CB}"/>
+              </a:ext>
+            </a:extLst>
+          </p:cNvPr>
+          <p:cNvSpPr>
+            <a:spLocks noGrp="1"/>
+          </p:cNvSpPr>
+          <p:nvPr>
+            <p:ph type="dt" sz="half" idx="10"/>
+          </p:nvPr>
+        </p:nvSpPr>
+        <p:spPr>
+          <a:xfrm>
+            <a:off x="7523545" y="6054522"/>
+            <a:ext cx="2523280" cy="365125"/>
+          </a:xfrm>
+        </p:spPr>
+        <p:txBody>
+          <a:bodyPr/>
+          <a:lstStyle/>
+          <a:p>
+            <a:fld id="{E4551058-E5DB-324A-A8E9-6D3BEF243C3B}" type="datetimeFigureOut">
+              <a:rPr kumimoji="1" lang="zh-CN" altLang="en-US" smtClean="0"/>
+              <a:t>2022/6/9</a:t>
+            </a:fld>
+            <a:endParaRPr kumimoji="1" lang="zh-CN" altLang="en-US"/>
+          </a:p>
+        </p:txBody>
+      </p:sp>
+      <p:sp>
+        <p:nvSpPr>
+          <p:cNvPr id="14" name="页脚占位符 13">
+            <a:extLst>
+              <a:ext uri="{FF2B5EF4-FFF2-40B4-BE49-F238E27FC236}">
+                <a16:creationId xmlns:a16="http://schemas.microsoft.com/office/drawing/2014/main" id="{D6A46670-09C5-DF43-9EF6-67590CA28571}"/>
+              </a:ext>
+            </a:extLst>
+          </p:cNvPr>
+          <p:cNvSpPr>
+            <a:spLocks noGrp="1"/>
+          </p:cNvSpPr>
+          <p:nvPr>
+            <p:ph type="ftr" sz="quarter" idx="11"/>
+          </p:nvPr>
+        </p:nvSpPr>
+        <p:spPr>
+          <a:xfrm>
+            <a:off x="833377" y="6054522"/>
+            <a:ext cx="6585500" cy="360799"/>
+          </a:xfrm>
+        </p:spPr>
+        <p:txBody>
+          <a:bodyPr/>
+          <a:lstStyle/>
+          <a:p>
+            <a:endParaRPr kumimoji="1" lang="zh-CN" altLang="en-US" dirty="0"/>
+          </a:p>
+        </p:txBody>
+      </p:sp>
+      <p:sp>
+        <p:nvSpPr>
+          <p:cNvPr id="15" name="灯片编号占位符 14">
+            <a:extLst>
+              <a:ext uri="{FF2B5EF4-FFF2-40B4-BE49-F238E27FC236}">
+                <a16:creationId xmlns:a16="http://schemas.microsoft.com/office/drawing/2014/main" id="{49BC921D-B28B-A34C-9F91-98F82F8B7E28}"/>
+              </a:ext>
+            </a:extLst>
+          </p:cNvPr>
+          <p:cNvSpPr>
+            <a:spLocks noGrp="1"/>
+          </p:cNvSpPr>
+          <p:nvPr>
+            <p:ph type="sldNum" sz="quarter" idx="12"/>
+          </p:nvPr>
+        </p:nvSpPr>
+        <p:spPr>
+          <a:xfrm>
+            <a:off x="10151493" y="6054522"/>
+            <a:ext cx="1203271" cy="365125"/>
+          </a:xfrm>
+        </p:spPr>
+        <p:txBody>
+          <a:bodyPr/>
+          <a:lstStyle/>
+          <a:p>
+            <a:fld id="{977BA8E6-E826-B147-AA17-E3D76A29629C}" type="slidenum">
+              <a:rPr kumimoji="1" lang="zh-CN" altLang="en-US" smtClean="0"/>
+              <a:t>‹#›</a:t>
+            </a:fld>
+            <a:endParaRPr kumimoji="1" lang="zh-CN" altLang="en-US"/>
+          </a:p>
+        </p:txBody>
+      </p:sp>
+      <p:sp>
+        <p:nvSpPr>
+          <p:cNvPr id="16" name="标题 15">
+            <a:extLst>
+              <a:ext uri="{FF2B5EF4-FFF2-40B4-BE49-F238E27FC236}">
+                <a16:creationId xmlns:a16="http://schemas.microsoft.com/office/drawing/2014/main" id="{B9810DAD-9990-3F41-8006-AEEF4C107886}"/>
+              </a:ext>
+            </a:extLst>
+          </p:cNvPr>
+          <p:cNvSpPr>
+            <a:spLocks noGrp="1"/>
+          </p:cNvSpPr>
+          <p:nvPr>
+            <p:ph type="title"/>
+          </p:nvPr>
+        </p:nvSpPr>
+        <p:spPr>
+          <a:xfrm>
+            <a:off x="1021463" y="4913486"/>
+            <a:ext cx="10333301" cy="609039"/>
+          </a:xfrm>
+          <a:prstGeom prst="rect">
+            <a:avLst/>
+          </a:prstGeom>
+        </p:spPr>
+        <p:txBody>
+          <a:bodyPr/>
+          <a:lstStyle/>
+          <a:p>
+            <a:r>
+              <a:rPr kumimoji="1" lang="zh-CN" altLang="en-US" dirty="0"/>
+              <a:t>单击此处编辑母版标题样式</a:t>
+            </a:r>
+          </a:p>
+        </p:txBody>
+      </p:sp>
+      <p:sp>
+        <p:nvSpPr>
+          <p:cNvPr id="23" name="Subtitle 2">
+            <a:extLst>
+              <a:ext uri="{FF2B5EF4-FFF2-40B4-BE49-F238E27FC236}">
+                <a16:creationId xmlns:a16="http://schemas.microsoft.com/office/drawing/2014/main" id="{55FFD6E9-9193-E149-909D-CF6ACACD6363}"/>
+              </a:ext>
+            </a:extLst>
+          </p:cNvPr>
+          <p:cNvSpPr>
+            <a:spLocks noGrp="1"/>
+          </p:cNvSpPr>
+          <p:nvPr>
+            <p:ph type="subTitle" idx="13"/>
+          </p:nvPr>
+        </p:nvSpPr>
+        <p:spPr>
+          <a:xfrm>
+            <a:off x="1021463" y="5608156"/>
+            <a:ext cx="10333300" cy="360735"/>
+          </a:xfrm>
+          <a:prstGeom prst="rect">
+            <a:avLst/>
+          </a:prstGeom>
         </p:spPr>
         <p:txBody>
           <a:bodyPr anchor="ctr">
@@ -4097,226 +3931,102 @@
           <a:lstStyle>
             <a:lvl1pPr marL="0" indent="0" algn="l">
               <a:buNone/>
-              <a:defRPr sz="1600">
+              <a:defRPr sz="2000" cap="all">
                 <a:solidFill>
-                  <a:srgbClr val="5C307D"/>
+                  <a:schemeClr val="accent2"/>
                 </a:solidFill>
               </a:defRPr>
             </a:lvl1pPr>
-            <a:lvl2pPr marL="457189" indent="0">
+            <a:lvl2pPr marL="457200" indent="0" algn="ctr">
               <a:buNone/>
-              <a:defRPr sz="1100"/>
-            </a:lvl2pPr>
-            <a:lvl3pPr marL="914377" indent="0">
-              <a:buNone/>
-              <a:defRPr sz="1000"/>
-            </a:lvl3pPr>
-            <a:lvl4pPr marL="1371566" indent="0">
-              <a:buNone/>
-              <a:defRPr sz="900"/>
-            </a:lvl4pPr>
-            <a:lvl5pPr marL="1828754" indent="0">
-              <a:buNone/>
-              <a:defRPr sz="900"/>
-            </a:lvl5pPr>
-            <a:lvl6pPr marL="2285943" indent="0">
-              <a:buNone/>
-              <a:defRPr sz="900"/>
-            </a:lvl6pPr>
-            <a:lvl7pPr marL="2743131" indent="0">
-              <a:buNone/>
-              <a:defRPr sz="900"/>
-            </a:lvl7pPr>
-            <a:lvl8pPr marL="3200320" indent="0">
-              <a:buNone/>
-              <a:defRPr sz="900"/>
-            </a:lvl8pPr>
-            <a:lvl9pPr marL="3657509" indent="0">
-              <a:buNone/>
-              <a:defRPr sz="900"/>
-            </a:lvl9pPr>
-          </a:lstStyle>
-          <a:p>
-            <a:pPr lvl="0"/>
-            <a:r>
-              <a:rPr lang="zh-CN" altLang="en-US" dirty="0"/>
-              <a:t>单击此处编辑母版文本样式</a:t>
-            </a:r>
-          </a:p>
-        </p:txBody>
-      </p:sp>
-      <p:sp>
-        <p:nvSpPr>
-          <p:cNvPr id="5" name="Date Placeholder 4"/>
-          <p:cNvSpPr>
-            <a:spLocks noGrp="1"/>
-          </p:cNvSpPr>
-          <p:nvPr>
-            <p:ph type="dt" sz="half" idx="10"/>
-          </p:nvPr>
-        </p:nvSpPr>
-        <p:spPr>
-          <a:xfrm>
-            <a:off x="7523545" y="6060170"/>
-            <a:ext cx="2523280" cy="365125"/>
-          </a:xfrm>
-        </p:spPr>
-        <p:txBody>
-          <a:bodyPr/>
-          <a:lstStyle>
-            <a:lvl1pPr>
               <a:defRPr>
                 <a:solidFill>
-                  <a:schemeClr val="accent1">
-                    <a:lumMod val="75000"/>
-                    <a:lumOff val="25000"/>
+                  <a:schemeClr val="tx1">
+                    <a:tint val="75000"/>
                   </a:schemeClr>
                 </a:solidFill>
               </a:defRPr>
-            </a:lvl1pPr>
-          </a:lstStyle>
-          <a:p>
-            <a:fld id="{E4551058-E5DB-324A-A8E9-6D3BEF243C3B}" type="datetimeFigureOut">
-              <a:rPr kumimoji="1" lang="zh-CN" altLang="en-US" smtClean="0"/>
-              <a:t>2020/6/12</a:t>
-            </a:fld>
-            <a:endParaRPr kumimoji="1" lang="zh-CN" altLang="en-US"/>
-          </a:p>
-        </p:txBody>
-      </p:sp>
-      <p:sp>
-        <p:nvSpPr>
-          <p:cNvPr id="6" name="Footer Placeholder 5"/>
-          <p:cNvSpPr>
-            <a:spLocks noGrp="1"/>
-          </p:cNvSpPr>
-          <p:nvPr>
-            <p:ph type="ftr" sz="quarter" idx="11"/>
-          </p:nvPr>
-        </p:nvSpPr>
-        <p:spPr>
-          <a:xfrm>
-            <a:off x="833377" y="6055844"/>
-            <a:ext cx="6585500" cy="365125"/>
-          </a:xfrm>
-        </p:spPr>
-        <p:txBody>
-          <a:bodyPr/>
-          <a:lstStyle>
-            <a:lvl1pPr>
+            </a:lvl2pPr>
+            <a:lvl3pPr marL="914400" indent="0" algn="ctr">
+              <a:buNone/>
               <a:defRPr>
                 <a:solidFill>
-                  <a:schemeClr val="accent1">
-                    <a:lumMod val="75000"/>
-                    <a:lumOff val="25000"/>
+                  <a:schemeClr val="tx1">
+                    <a:tint val="75000"/>
                   </a:schemeClr>
                 </a:solidFill>
               </a:defRPr>
-            </a:lvl1pPr>
-          </a:lstStyle>
-          <a:p>
-            <a:endParaRPr kumimoji="1" lang="zh-CN" altLang="en-US"/>
-          </a:p>
-        </p:txBody>
-      </p:sp>
-      <p:sp>
-        <p:nvSpPr>
-          <p:cNvPr id="7" name="Slide Number Placeholder 6"/>
-          <p:cNvSpPr>
-            <a:spLocks noGrp="1"/>
-          </p:cNvSpPr>
-          <p:nvPr>
-            <p:ph type="sldNum" sz="quarter" idx="12"/>
-          </p:nvPr>
-        </p:nvSpPr>
-        <p:spPr>
-          <a:xfrm>
-            <a:off x="10151493" y="6060170"/>
-            <a:ext cx="1203271" cy="365125"/>
-          </a:xfrm>
-        </p:spPr>
-        <p:txBody>
-          <a:bodyPr/>
-          <a:lstStyle>
-            <a:lvl1pPr>
+            </a:lvl3pPr>
+            <a:lvl4pPr marL="1371600" indent="0" algn="ctr">
+              <a:buNone/>
               <a:defRPr>
                 <a:solidFill>
-                  <a:schemeClr val="accent1">
-                    <a:lumMod val="75000"/>
-                    <a:lumOff val="25000"/>
+                  <a:schemeClr val="tx1">
+                    <a:tint val="75000"/>
                   </a:schemeClr>
                 </a:solidFill>
               </a:defRPr>
-            </a:lvl1pPr>
+            </a:lvl4pPr>
+            <a:lvl5pPr marL="1828800" indent="0" algn="ctr">
+              <a:buNone/>
+              <a:defRPr>
+                <a:solidFill>
+                  <a:schemeClr val="tx1">
+                    <a:tint val="75000"/>
+                  </a:schemeClr>
+                </a:solidFill>
+              </a:defRPr>
+            </a:lvl5pPr>
+            <a:lvl6pPr marL="2286000" indent="0" algn="ctr">
+              <a:buNone/>
+              <a:defRPr>
+                <a:solidFill>
+                  <a:schemeClr val="tx1">
+                    <a:tint val="75000"/>
+                  </a:schemeClr>
+                </a:solidFill>
+              </a:defRPr>
+            </a:lvl6pPr>
+            <a:lvl7pPr marL="2743200" indent="0" algn="ctr">
+              <a:buNone/>
+              <a:defRPr>
+                <a:solidFill>
+                  <a:schemeClr val="tx1">
+                    <a:tint val="75000"/>
+                  </a:schemeClr>
+                </a:solidFill>
+              </a:defRPr>
+            </a:lvl7pPr>
+            <a:lvl8pPr marL="3200400" indent="0" algn="ctr">
+              <a:buNone/>
+              <a:defRPr>
+                <a:solidFill>
+                  <a:schemeClr val="tx1">
+                    <a:tint val="75000"/>
+                  </a:schemeClr>
+                </a:solidFill>
+              </a:defRPr>
+            </a:lvl8pPr>
+            <a:lvl9pPr marL="3657600" indent="0" algn="ctr">
+              <a:buNone/>
+              <a:defRPr>
+                <a:solidFill>
+                  <a:schemeClr val="tx1">
+                    <a:tint val="75000"/>
+                  </a:schemeClr>
+                </a:solidFill>
+              </a:defRPr>
+            </a:lvl9pPr>
           </a:lstStyle>
           <a:p>
-            <a:fld id="{977BA8E6-E826-B147-AA17-E3D76A29629C}" type="slidenum">
-              <a:rPr kumimoji="1" lang="zh-CN" altLang="en-US" smtClean="0"/>
-              <a:t>‹#›</a:t>
-            </a:fld>
-            <a:endParaRPr kumimoji="1" lang="zh-CN" altLang="en-US"/>
-          </a:p>
-        </p:txBody>
-      </p:sp>
-      <p:pic>
-        <p:nvPicPr>
-          <p:cNvPr id="11" name="图片 10">
-            <a:extLst>
-              <a:ext uri="{FF2B5EF4-FFF2-40B4-BE49-F238E27FC236}">
-                <a16:creationId xmlns:a16="http://schemas.microsoft.com/office/drawing/2014/main" id="{F025F6F4-386D-EB45-974E-2539ED6C5D65}"/>
-              </a:ext>
-            </a:extLst>
-          </p:cNvPr>
-          <p:cNvPicPr/>
-          <p:nvPr userDrawn="1"/>
-        </p:nvPicPr>
-        <p:blipFill rotWithShape="1">
-          <a:blip r:embed="rId2" cstate="print">
-            <a:clrChange>
-              <a:clrFrom>
-                <a:srgbClr val="FEFEFE"/>
-              </a:clrFrom>
-              <a:clrTo>
-                <a:srgbClr val="FEFEFE">
-                  <a:alpha val="0"/>
-                </a:srgbClr>
-              </a:clrTo>
-            </a:clrChange>
-            <a:duotone>
-              <a:schemeClr val="accent1">
-                <a:shade val="45000"/>
-                <a:satMod val="135000"/>
-              </a:schemeClr>
-              <a:prstClr val="white"/>
-            </a:duotone>
-            <a:extLst>
-              <a:ext uri="{BEBA8EAE-BF5A-486C-A8C5-ECC9F3942E4B}">
-                <a14:imgProps xmlns:a14="http://schemas.microsoft.com/office/drawing/2010/main">
-                  <a14:imgLayer r:embed="rId3">
-                    <a14:imgEffect>
-                      <a14:saturation sat="400000"/>
-                    </a14:imgEffect>
-                  </a14:imgLayer>
-                </a14:imgProps>
-              </a:ext>
-              <a:ext uri="{28A0092B-C50C-407E-A947-70E740481C1C}">
-                <a14:useLocalDpi xmlns:a14="http://schemas.microsoft.com/office/drawing/2010/main" val="0"/>
-              </a:ext>
-            </a:extLst>
-          </a:blip>
-          <a:srcRect/>
-          <a:stretch/>
-        </p:blipFill>
-        <p:spPr>
-          <a:xfrm>
-            <a:off x="7418876" y="6054012"/>
-            <a:ext cx="4191931" cy="475343"/>
-          </a:xfrm>
-          <a:prstGeom prst="rect">
-            <a:avLst/>
-          </a:prstGeom>
-        </p:spPr>
-      </p:pic>
+            <a:r>
+              <a:rPr lang="zh-CN" altLang="en-US" dirty="0"/>
+              <a:t>单击此处编辑母版副标题样式</a:t>
+            </a:r>
+            <a:endParaRPr lang="en-US" dirty="0"/>
+          </a:p>
+        </p:txBody>
+      </p:sp>
     </p:spTree>
     <p:extLst>
       <p:ext uri="{BB962C8B-B14F-4D97-AF65-F5344CB8AC3E}">
@@ -4354,282 +4064,10 @@
       </p:grpSpPr>
       <p:sp>
         <p:nvSpPr>
-          <p:cNvPr id="7" name="标题占位符 6">
+          <p:cNvPr id="8" name="矩形 7">
             <a:extLst>
               <a:ext uri="{FF2B5EF4-FFF2-40B4-BE49-F238E27FC236}">
-                <a16:creationId xmlns:a16="http://schemas.microsoft.com/office/drawing/2014/main" id="{386CB2C2-B0CA-6B4C-9D67-BC3A516A2E6A}"/>
-              </a:ext>
-            </a:extLst>
-          </p:cNvPr>
-          <p:cNvSpPr>
-            <a:spLocks noGrp="1"/>
-          </p:cNvSpPr>
-          <p:nvPr>
-            <p:ph type="title"/>
-          </p:nvPr>
-        </p:nvSpPr>
-        <p:spPr>
-          <a:xfrm>
-            <a:off x="835306" y="593424"/>
-            <a:ext cx="10521388" cy="1015200"/>
-          </a:xfrm>
-          <a:prstGeom prst="rect">
-            <a:avLst/>
-          </a:prstGeom>
-        </p:spPr>
-        <p:txBody>
-          <a:bodyPr vert="horz" lIns="91440" tIns="45720" rIns="91440" bIns="45720" rtlCol="0" anchor="ctr">
-            <a:normAutofit/>
-          </a:bodyPr>
-          <a:lstStyle/>
-          <a:p>
-            <a:r>
-              <a:rPr kumimoji="1" lang="zh-CN" altLang="en-US" dirty="0"/>
-              <a:t>单击此处编辑母版标题样式</a:t>
-            </a:r>
-          </a:p>
-        </p:txBody>
-      </p:sp>
-      <p:sp>
-        <p:nvSpPr>
-          <p:cNvPr id="3" name="Text Placeholder 2"/>
-          <p:cNvSpPr>
-            <a:spLocks noGrp="1"/>
-          </p:cNvSpPr>
-          <p:nvPr>
-            <p:ph type="body" idx="1"/>
-          </p:nvPr>
-        </p:nvSpPr>
-        <p:spPr>
-          <a:xfrm>
-            <a:off x="833376" y="2336003"/>
-            <a:ext cx="10521388" cy="3154894"/>
-          </a:xfrm>
-          <a:prstGeom prst="rect">
-            <a:avLst/>
-          </a:prstGeom>
-        </p:spPr>
-        <p:txBody>
-          <a:bodyPr vert="horz" lIns="91440" tIns="45720" rIns="91440" bIns="45720" rtlCol="0" anchor="t">
-            <a:normAutofit/>
-          </a:bodyPr>
-          <a:lstStyle/>
-          <a:p>
-            <a:pPr lvl="0"/>
-            <a:r>
-              <a:rPr lang="zh-CN" altLang="en-US" dirty="0"/>
-              <a:t>单击此处编辑母版文本样式</a:t>
-            </a:r>
-          </a:p>
-          <a:p>
-            <a:pPr lvl="1"/>
-            <a:r>
-              <a:rPr lang="zh-CN" altLang="en-US" dirty="0"/>
-              <a:t>二级</a:t>
-            </a:r>
-          </a:p>
-          <a:p>
-            <a:pPr lvl="2"/>
-            <a:r>
-              <a:rPr lang="zh-CN" altLang="en-US" dirty="0"/>
-              <a:t>三级</a:t>
-            </a:r>
-          </a:p>
-          <a:p>
-            <a:pPr lvl="3"/>
-            <a:r>
-              <a:rPr lang="zh-CN" altLang="en-US" dirty="0"/>
-              <a:t>四级</a:t>
-            </a:r>
-          </a:p>
-          <a:p>
-            <a:pPr lvl="4"/>
-            <a:r>
-              <a:rPr lang="zh-CN" altLang="en-US" dirty="0"/>
-              <a:t>五级</a:t>
-            </a:r>
-            <a:endParaRPr lang="en-US" dirty="0"/>
-          </a:p>
-        </p:txBody>
-      </p:sp>
-      <p:sp>
-        <p:nvSpPr>
-          <p:cNvPr id="4" name="Date Placeholder 3"/>
-          <p:cNvSpPr>
-            <a:spLocks noGrp="1"/>
-          </p:cNvSpPr>
-          <p:nvPr>
-            <p:ph type="dt" sz="half" idx="2"/>
-          </p:nvPr>
-        </p:nvSpPr>
-        <p:spPr>
-          <a:xfrm>
-            <a:off x="7523545" y="5597323"/>
-            <a:ext cx="2523280" cy="365125"/>
-          </a:xfrm>
-          <a:prstGeom prst="rect">
-            <a:avLst/>
-          </a:prstGeom>
-        </p:spPr>
-        <p:txBody>
-          <a:bodyPr vert="horz" lIns="91440" tIns="45720" rIns="91440" bIns="45720" rtlCol="0" anchor="ctr"/>
-          <a:lstStyle>
-            <a:lvl1pPr algn="r">
-              <a:defRPr sz="900">
-                <a:solidFill>
-                  <a:schemeClr val="accent2"/>
-                </a:solidFill>
-              </a:defRPr>
-            </a:lvl1pPr>
-          </a:lstStyle>
-          <a:p>
-            <a:fld id="{E4551058-E5DB-324A-A8E9-6D3BEF243C3B}" type="datetimeFigureOut">
-              <a:rPr kumimoji="1" lang="zh-CN" altLang="en-US" smtClean="0"/>
-              <a:t>2020/6/12</a:t>
-            </a:fld>
-            <a:endParaRPr kumimoji="1" lang="zh-CN" altLang="en-US"/>
-          </a:p>
-        </p:txBody>
-      </p:sp>
-      <p:sp>
-        <p:nvSpPr>
-          <p:cNvPr id="5" name="Footer Placeholder 4"/>
-          <p:cNvSpPr>
-            <a:spLocks noGrp="1"/>
-          </p:cNvSpPr>
-          <p:nvPr>
-            <p:ph type="ftr" sz="quarter" idx="3"/>
-          </p:nvPr>
-        </p:nvSpPr>
-        <p:spPr>
-          <a:xfrm>
-            <a:off x="833377" y="5592997"/>
-            <a:ext cx="6585500" cy="365125"/>
-          </a:xfrm>
-          <a:prstGeom prst="rect">
-            <a:avLst/>
-          </a:prstGeom>
-        </p:spPr>
-        <p:txBody>
-          <a:bodyPr vert="horz" lIns="91440" tIns="45720" rIns="91440" bIns="45720" rtlCol="0" anchor="ctr"/>
-          <a:lstStyle>
-            <a:lvl1pPr algn="l">
-              <a:defRPr sz="900" cap="all">
-                <a:solidFill>
-                  <a:schemeClr val="accent2"/>
-                </a:solidFill>
-              </a:defRPr>
-            </a:lvl1pPr>
-          </a:lstStyle>
-          <a:p>
-            <a:endParaRPr kumimoji="1" lang="zh-CN" altLang="en-US" dirty="0"/>
-          </a:p>
-        </p:txBody>
-      </p:sp>
-      <p:sp>
-        <p:nvSpPr>
-          <p:cNvPr id="6" name="Slide Number Placeholder 5"/>
-          <p:cNvSpPr>
-            <a:spLocks noGrp="1"/>
-          </p:cNvSpPr>
-          <p:nvPr>
-            <p:ph type="sldNum" sz="quarter" idx="4"/>
-          </p:nvPr>
-        </p:nvSpPr>
-        <p:spPr>
-          <a:xfrm>
-            <a:off x="10151493" y="5597323"/>
-            <a:ext cx="1203271" cy="365125"/>
-          </a:xfrm>
-          <a:prstGeom prst="rect">
-            <a:avLst/>
-          </a:prstGeom>
-        </p:spPr>
-        <p:txBody>
-          <a:bodyPr vert="horz" lIns="91440" tIns="45720" rIns="91440" bIns="45720" rtlCol="0" anchor="ctr"/>
-          <a:lstStyle>
-            <a:lvl1pPr algn="r">
-              <a:defRPr sz="900">
-                <a:solidFill>
-                  <a:schemeClr val="accent2"/>
-                </a:solidFill>
-              </a:defRPr>
-            </a:lvl1pPr>
-          </a:lstStyle>
-          <a:p>
-            <a:fld id="{977BA8E6-E826-B147-AA17-E3D76A29629C}" type="slidenum">
-              <a:rPr kumimoji="1" lang="zh-CN" altLang="en-US" smtClean="0"/>
-              <a:t>‹#›</a:t>
-            </a:fld>
-            <a:endParaRPr kumimoji="1" lang="zh-CN" altLang="en-US"/>
-          </a:p>
-        </p:txBody>
-      </p:sp>
-      <p:pic>
-        <p:nvPicPr>
-          <p:cNvPr id="11" name="图片 10">
-            <a:extLst>
-              <a:ext uri="{FF2B5EF4-FFF2-40B4-BE49-F238E27FC236}">
-                <a16:creationId xmlns:a16="http://schemas.microsoft.com/office/drawing/2014/main" id="{5305D68B-2B7C-394A-9C3F-F982EDB21D95}"/>
-              </a:ext>
-            </a:extLst>
-          </p:cNvPr>
-          <p:cNvPicPr/>
-          <p:nvPr userDrawn="1"/>
-        </p:nvPicPr>
-        <p:blipFill rotWithShape="1">
-          <a:blip r:embed="rId14" cstate="print">
-            <a:clrChange>
-              <a:clrFrom>
-                <a:srgbClr val="FEFEFE"/>
-              </a:clrFrom>
-              <a:clrTo>
-                <a:srgbClr val="FEFEFE">
-                  <a:alpha val="0"/>
-                </a:srgbClr>
-              </a:clrTo>
-            </a:clrChange>
-            <a:duotone>
-              <a:schemeClr val="accent1">
-                <a:shade val="45000"/>
-                <a:satMod val="135000"/>
-              </a:schemeClr>
-              <a:prstClr val="white"/>
-            </a:duotone>
-            <a:extLst>
-              <a:ext uri="{BEBA8EAE-BF5A-486C-A8C5-ECC9F3942E4B}">
-                <a14:imgProps xmlns:a14="http://schemas.microsoft.com/office/drawing/2010/main">
-                  <a14:imgLayer r:embed="rId15">
-                    <a14:imgEffect>
-                      <a14:saturation sat="400000"/>
-                    </a14:imgEffect>
-                  </a14:imgLayer>
-                </a14:imgProps>
-              </a:ext>
-              <a:ext uri="{28A0092B-C50C-407E-A947-70E740481C1C}">
-                <a14:useLocalDpi xmlns:a14="http://schemas.microsoft.com/office/drawing/2010/main" val="0"/>
-              </a:ext>
-            </a:extLst>
-          </a:blip>
-          <a:srcRect/>
-          <a:stretch/>
-        </p:blipFill>
-        <p:spPr>
-          <a:xfrm>
-            <a:off x="7418876" y="6054012"/>
-            <a:ext cx="4191931" cy="475343"/>
-          </a:xfrm>
-          <a:prstGeom prst="rect">
-            <a:avLst/>
-          </a:prstGeom>
-        </p:spPr>
-      </p:pic>
-      <p:sp>
-        <p:nvSpPr>
-          <p:cNvPr id="2" name="圆角矩形 1">
-            <a:extLst>
-              <a:ext uri="{FF2B5EF4-FFF2-40B4-BE49-F238E27FC236}">
-                <a16:creationId xmlns:a16="http://schemas.microsoft.com/office/drawing/2014/main" id="{281EDAD2-3671-BF43-AEFB-C5625113F562}"/>
+                <a16:creationId xmlns:a16="http://schemas.microsoft.com/office/drawing/2014/main" id="{0D046DC1-1C9C-644A-A409-E2EDBF93EECE}"/>
               </a:ext>
             </a:extLst>
           </p:cNvPr>
@@ -4638,21 +4076,15 @@
         </p:nvSpPr>
         <p:spPr>
           <a:xfrm>
-            <a:off x="586670" y="651024"/>
-            <a:ext cx="80595" cy="900000"/>
-          </a:xfrm>
-          <a:prstGeom prst="roundRect">
-            <a:avLst>
-              <a:gd name="adj" fmla="val 0"/>
-            </a:avLst>
+            <a:off x="586670" y="579706"/>
+            <a:ext cx="82800" cy="896400"/>
+          </a:xfrm>
+          <a:prstGeom prst="rect">
+            <a:avLst/>
           </a:prstGeom>
-          <a:solidFill>
-            <a:srgbClr val="5C307D"/>
-          </a:solidFill>
           <a:ln>
             <a:noFill/>
           </a:ln>
-          <a:effectLst/>
         </p:spPr>
         <p:style>
           <a:lnRef idx="2">
@@ -4676,6 +4108,224 @@
           <a:p>
             <a:pPr algn="ctr"/>
             <a:endParaRPr kumimoji="1" lang="zh-CN" altLang="en-US"/>
+          </a:p>
+        </p:txBody>
+      </p:sp>
+      <p:sp>
+        <p:nvSpPr>
+          <p:cNvPr id="4" name="Date Placeholder 3"/>
+          <p:cNvSpPr>
+            <a:spLocks noGrp="1"/>
+          </p:cNvSpPr>
+          <p:nvPr>
+            <p:ph type="dt" sz="half" idx="2"/>
+          </p:nvPr>
+        </p:nvSpPr>
+        <p:spPr>
+          <a:xfrm>
+            <a:off x="7523545" y="5597323"/>
+            <a:ext cx="2523280" cy="365125"/>
+          </a:xfrm>
+          <a:prstGeom prst="rect">
+            <a:avLst/>
+          </a:prstGeom>
+        </p:spPr>
+        <p:txBody>
+          <a:bodyPr vert="horz" lIns="91440" tIns="45720" rIns="91440" bIns="45720" rtlCol="0" anchor="ctr"/>
+          <a:lstStyle>
+            <a:lvl1pPr algn="r">
+              <a:defRPr sz="900">
+                <a:solidFill>
+                  <a:schemeClr val="accent2"/>
+                </a:solidFill>
+              </a:defRPr>
+            </a:lvl1pPr>
+          </a:lstStyle>
+          <a:p>
+            <a:fld id="{E4551058-E5DB-324A-A8E9-6D3BEF243C3B}" type="datetimeFigureOut">
+              <a:rPr kumimoji="1" lang="zh-CN" altLang="en-US" smtClean="0"/>
+              <a:t>2022/6/9</a:t>
+            </a:fld>
+            <a:endParaRPr kumimoji="1" lang="zh-CN" altLang="en-US"/>
+          </a:p>
+        </p:txBody>
+      </p:sp>
+      <p:sp>
+        <p:nvSpPr>
+          <p:cNvPr id="5" name="Footer Placeholder 4"/>
+          <p:cNvSpPr>
+            <a:spLocks noGrp="1"/>
+          </p:cNvSpPr>
+          <p:nvPr>
+            <p:ph type="ftr" sz="quarter" idx="3"/>
+          </p:nvPr>
+        </p:nvSpPr>
+        <p:spPr>
+          <a:xfrm>
+            <a:off x="837235" y="5597323"/>
+            <a:ext cx="6581641" cy="360799"/>
+          </a:xfrm>
+          <a:prstGeom prst="rect">
+            <a:avLst/>
+          </a:prstGeom>
+        </p:spPr>
+        <p:txBody>
+          <a:bodyPr vert="horz" lIns="91440" tIns="45720" rIns="91440" bIns="45720" rtlCol="0" anchor="ctr"/>
+          <a:lstStyle>
+            <a:lvl1pPr algn="l">
+              <a:defRPr sz="900" cap="all">
+                <a:solidFill>
+                  <a:schemeClr val="accent2"/>
+                </a:solidFill>
+              </a:defRPr>
+            </a:lvl1pPr>
+          </a:lstStyle>
+          <a:p>
+            <a:endParaRPr kumimoji="1" lang="zh-CN" altLang="en-US" dirty="0"/>
+          </a:p>
+        </p:txBody>
+      </p:sp>
+      <p:sp>
+        <p:nvSpPr>
+          <p:cNvPr id="6" name="Slide Number Placeholder 5"/>
+          <p:cNvSpPr>
+            <a:spLocks noGrp="1"/>
+          </p:cNvSpPr>
+          <p:nvPr>
+            <p:ph type="sldNum" sz="quarter" idx="4"/>
+          </p:nvPr>
+        </p:nvSpPr>
+        <p:spPr>
+          <a:xfrm>
+            <a:off x="10151493" y="5597323"/>
+            <a:ext cx="1203271" cy="365125"/>
+          </a:xfrm>
+          <a:prstGeom prst="rect">
+            <a:avLst/>
+          </a:prstGeom>
+        </p:spPr>
+        <p:txBody>
+          <a:bodyPr vert="horz" lIns="91440" tIns="45720" rIns="91440" bIns="45720" rtlCol="0" anchor="ctr"/>
+          <a:lstStyle>
+            <a:lvl1pPr algn="r">
+              <a:defRPr sz="900">
+                <a:solidFill>
+                  <a:schemeClr val="accent2"/>
+                </a:solidFill>
+              </a:defRPr>
+            </a:lvl1pPr>
+          </a:lstStyle>
+          <a:p>
+            <a:fld id="{977BA8E6-E826-B147-AA17-E3D76A29629C}" type="slidenum">
+              <a:rPr kumimoji="1" lang="zh-CN" altLang="en-US" smtClean="0"/>
+              <a:t>‹#›</a:t>
+            </a:fld>
+            <a:endParaRPr kumimoji="1" lang="zh-CN" altLang="en-US"/>
+          </a:p>
+        </p:txBody>
+      </p:sp>
+      <p:sp>
+        <p:nvSpPr>
+          <p:cNvPr id="12" name="文本占位符 11">
+            <a:extLst>
+              <a:ext uri="{FF2B5EF4-FFF2-40B4-BE49-F238E27FC236}">
+                <a16:creationId xmlns:a16="http://schemas.microsoft.com/office/drawing/2014/main" id="{0F1E5D95-FEF9-2F4C-B092-DCEAC172EEFB}"/>
+              </a:ext>
+            </a:extLst>
+          </p:cNvPr>
+          <p:cNvSpPr>
+            <a:spLocks noGrp="1"/>
+          </p:cNvSpPr>
+          <p:nvPr>
+            <p:ph type="body" idx="1"/>
+          </p:nvPr>
+        </p:nvSpPr>
+        <p:spPr>
+          <a:xfrm>
+            <a:off x="838200" y="1825625"/>
+            <a:ext cx="10515600" cy="3682546"/>
+          </a:xfrm>
+          <a:prstGeom prst="rect">
+            <a:avLst/>
+          </a:prstGeom>
+        </p:spPr>
+        <p:txBody>
+          <a:bodyPr vert="horz" lIns="91440" tIns="45720" rIns="91440" bIns="45720" rtlCol="0">
+            <a:normAutofit/>
+          </a:bodyPr>
+          <a:lstStyle/>
+          <a:p>
+            <a:pPr lvl="0"/>
+            <a:r>
+              <a:rPr kumimoji="1" lang="zh-CN" altLang="en-US"/>
+              <a:t>单击此处编辑母版文本样式</a:t>
+            </a:r>
+          </a:p>
+          <a:p>
+            <a:pPr lvl="1"/>
+            <a:r>
+              <a:rPr kumimoji="1" lang="zh-CN" altLang="en-US"/>
+              <a:t>二级</a:t>
+            </a:r>
+          </a:p>
+          <a:p>
+            <a:pPr lvl="2"/>
+            <a:r>
+              <a:rPr kumimoji="1" lang="zh-CN" altLang="en-US"/>
+              <a:t>三级</a:t>
+            </a:r>
+          </a:p>
+          <a:p>
+            <a:pPr lvl="3"/>
+            <a:r>
+              <a:rPr kumimoji="1" lang="zh-CN" altLang="en-US"/>
+              <a:t>四级</a:t>
+            </a:r>
+          </a:p>
+          <a:p>
+            <a:pPr lvl="4"/>
+            <a:r>
+              <a:rPr kumimoji="1" lang="zh-CN" altLang="en-US"/>
+              <a:t>五级</a:t>
+            </a:r>
+          </a:p>
+        </p:txBody>
+      </p:sp>
+      <p:sp>
+        <p:nvSpPr>
+          <p:cNvPr id="13" name="标题占位符 12">
+            <a:extLst>
+              <a:ext uri="{FF2B5EF4-FFF2-40B4-BE49-F238E27FC236}">
+                <a16:creationId xmlns:a16="http://schemas.microsoft.com/office/drawing/2014/main" id="{02BE624C-83FF-8A45-88EE-30B741DC211C}"/>
+              </a:ext>
+            </a:extLst>
+          </p:cNvPr>
+          <p:cNvSpPr>
+            <a:spLocks noGrp="1"/>
+          </p:cNvSpPr>
+          <p:nvPr>
+            <p:ph type="title"/>
+          </p:nvPr>
+        </p:nvSpPr>
+        <p:spPr>
+          <a:xfrm>
+            <a:off x="838200" y="365125"/>
+            <a:ext cx="10515600" cy="1325563"/>
+          </a:xfrm>
+          <a:prstGeom prst="rect">
+            <a:avLst/>
+          </a:prstGeom>
+        </p:spPr>
+        <p:txBody>
+          <a:bodyPr vert="horz" lIns="91440" tIns="45720" rIns="91440" bIns="45720" rtlCol="0" anchor="ctr">
+            <a:normAutofit/>
+          </a:bodyPr>
+          <a:lstStyle/>
+          <a:p>
+            <a:r>
+              <a:rPr kumimoji="1" lang="zh-CN" altLang="en-US" dirty="0"/>
+              <a:t>单击此处编辑母版标题样式</a:t>
+            </a:r>
           </a:p>
         </p:txBody>
       </p:sp>
@@ -4708,9 +4358,9 @@
           <a:spcPct val="0"/>
         </a:spcBef>
         <a:buNone/>
-        <a:defRPr sz="2800" b="0" kern="1200" cap="all">
+        <a:defRPr sz="2800" b="0" kern="1200" cap="none" baseline="0">
           <a:solidFill>
-            <a:srgbClr val="5C307D"/>
+            <a:srgbClr val="660874"/>
           </a:solidFill>
           <a:latin typeface="+mj-lt"/>
           <a:ea typeface="+mj-ea"/>
@@ -5092,6 +4742,75 @@
       </p:grpSpPr>
       <p:sp>
         <p:nvSpPr>
+          <p:cNvPr id="3" name="副标题 2">
+            <a:extLst>
+              <a:ext uri="{FF2B5EF4-FFF2-40B4-BE49-F238E27FC236}">
+                <a16:creationId xmlns:a16="http://schemas.microsoft.com/office/drawing/2014/main" id="{9456EDC8-6865-C043-9F52-A5101097FB22}"/>
+              </a:ext>
+            </a:extLst>
+          </p:cNvPr>
+          <p:cNvSpPr>
+            <a:spLocks noGrp="1"/>
+          </p:cNvSpPr>
+          <p:nvPr>
+            <p:ph type="subTitle" idx="1"/>
+          </p:nvPr>
+        </p:nvSpPr>
+        <p:spPr>
+          <a:xfrm>
+            <a:off x="963169" y="3819054"/>
+            <a:ext cx="10265664" cy="1340999"/>
+          </a:xfrm>
+        </p:spPr>
+        <p:txBody>
+          <a:bodyPr>
+            <a:normAutofit/>
+          </a:bodyPr>
+          <a:lstStyle/>
+          <a:p>
+            <a:r>
+              <a:rPr lang="zh-CN" altLang="en-US" dirty="0"/>
+              <a:t>陈伟浩</a:t>
+            </a:r>
+            <a:endParaRPr lang="en-US" altLang="zh-CN" dirty="0"/>
+          </a:p>
+          <a:p>
+            <a:r>
+              <a:rPr lang="zh-CN" altLang="en-US" dirty="0"/>
+              <a:t>新雅书院</a:t>
+            </a:r>
+            <a:endParaRPr lang="en-US" altLang="zh-CN" dirty="0"/>
+          </a:p>
+          <a:p>
+            <a:r>
+              <a:rPr lang="en-US" altLang="zh-CN" dirty="0"/>
+              <a:t>2020</a:t>
+            </a:r>
+            <a:r>
+              <a:rPr lang="zh-CN" altLang="en-US" dirty="0"/>
+              <a:t>年</a:t>
+            </a:r>
+            <a:r>
+              <a:rPr lang="en-US" altLang="zh-CN" dirty="0"/>
+              <a:t>6</a:t>
+            </a:r>
+            <a:r>
+              <a:rPr lang="zh-CN" altLang="en-US" dirty="0"/>
+              <a:t>月</a:t>
+            </a:r>
+            <a:r>
+              <a:rPr lang="en-US" altLang="zh-CN" dirty="0"/>
+              <a:t>12</a:t>
+            </a:r>
+            <a:r>
+              <a:rPr lang="zh-CN" altLang="en-US" dirty="0"/>
+              <a:t>日</a:t>
+            </a:r>
+          </a:p>
+        </p:txBody>
+      </p:sp>
+      <p:sp>
+        <p:nvSpPr>
           <p:cNvPr id="2" name="标题 1">
             <a:extLst>
               <a:ext uri="{FF2B5EF4-FFF2-40B4-BE49-F238E27FC236}">
@@ -5103,107 +4822,43 @@
             <a:spLocks noGrp="1"/>
           </p:cNvSpPr>
           <p:nvPr>
-            <p:ph type="ctrTitle"/>
-          </p:nvPr>
-        </p:nvSpPr>
-        <p:spPr/>
+            <p:ph type="title"/>
+          </p:nvPr>
+        </p:nvSpPr>
+        <p:spPr>
+          <a:xfrm>
+            <a:off x="963167" y="2023572"/>
+            <a:ext cx="10265664" cy="1325563"/>
+          </a:xfrm>
+        </p:spPr>
         <p:txBody>
           <a:bodyPr/>
           <a:lstStyle/>
           <a:p>
             <a:r>
-              <a:rPr kumimoji="1" lang="zh-CN" altLang="en-US" dirty="0"/>
+              <a:rPr lang="zh-CN" altLang="en-US" dirty="0"/>
               <a:t>清华简约主题</a:t>
             </a:r>
             <a:r>
-              <a:rPr kumimoji="1" lang="en-US" altLang="zh-CN" dirty="0"/>
+              <a:rPr lang="en-US" altLang="zh-CN" dirty="0"/>
               <a:t>PPT</a:t>
             </a:r>
             <a:r>
-              <a:rPr kumimoji="1" lang="zh-CN" altLang="en-US" dirty="0"/>
+              <a:rPr lang="zh-CN" altLang="en-US" dirty="0"/>
               <a:t>模板</a:t>
             </a:r>
             <a:br>
-              <a:rPr kumimoji="1" lang="en-US" altLang="zh-CN" dirty="0"/>
+              <a:rPr lang="en-US" altLang="zh-CN" dirty="0"/>
             </a:br>
             <a:r>
-              <a:rPr kumimoji="1" lang="zh-CN" altLang="en-US" dirty="0"/>
+              <a:rPr lang="zh-CN" altLang="en-US" dirty="0"/>
               <a:t>扁平风格 </a:t>
             </a:r>
             <a:r>
-              <a:rPr kumimoji="1" lang="en-US" altLang="zh-CN" dirty="0"/>
+              <a:rPr lang="en-US" altLang="zh-CN" dirty="0"/>
               <a:t>16:9</a:t>
             </a:r>
-            <a:endParaRPr kumimoji="1" lang="zh-CN" altLang="en-US" dirty="0"/>
-          </a:p>
-        </p:txBody>
-      </p:sp>
-      <p:sp>
-        <p:nvSpPr>
-          <p:cNvPr id="3" name="副标题 2">
-            <a:extLst>
-              <a:ext uri="{FF2B5EF4-FFF2-40B4-BE49-F238E27FC236}">
-                <a16:creationId xmlns:a16="http://schemas.microsoft.com/office/drawing/2014/main" id="{9456EDC8-6865-C043-9F52-A5101097FB22}"/>
-              </a:ext>
-            </a:extLst>
-          </p:cNvPr>
-          <p:cNvSpPr>
-            <a:spLocks noGrp="1"/>
-          </p:cNvSpPr>
-          <p:nvPr>
-            <p:ph type="subTitle" idx="1"/>
-          </p:nvPr>
-        </p:nvSpPr>
-        <p:spPr/>
-        <p:txBody>
-          <a:bodyPr>
-            <a:normAutofit/>
-          </a:bodyPr>
-          <a:lstStyle/>
-          <a:p>
-            <a:r>
-              <a:rPr kumimoji="1" lang="zh-CN" altLang="en-US" dirty="0"/>
-              <a:t>陈伟浩</a:t>
-            </a:r>
-            <a:endParaRPr kumimoji="1" lang="en-US" altLang="zh-CN" dirty="0"/>
-          </a:p>
-          <a:p>
-            <a:r>
-              <a:rPr kumimoji="1" lang="zh-CN" altLang="en-US" dirty="0"/>
-              <a:t>新雅书院</a:t>
-            </a:r>
-            <a:endParaRPr kumimoji="1" lang="en-US" altLang="zh-CN" dirty="0"/>
-          </a:p>
-          <a:p>
-            <a:r>
-              <a:rPr kumimoji="1" lang="en-US" altLang="zh-CN" dirty="0"/>
-              <a:t>2020</a:t>
-            </a:r>
-            <a:r>
-              <a:rPr kumimoji="1" lang="zh-CN" altLang="en-US" dirty="0"/>
-              <a:t>年</a:t>
-            </a:r>
-            <a:r>
-              <a:rPr kumimoji="1" lang="en-US" altLang="zh-CN" dirty="0"/>
-              <a:t>6</a:t>
-            </a:r>
-            <a:r>
-              <a:rPr kumimoji="1" lang="zh-CN" altLang="en-US" dirty="0"/>
-              <a:t>月</a:t>
-            </a:r>
-            <a:r>
-              <a:rPr kumimoji="1" lang="en-US" altLang="zh-CN"/>
-              <a:t>1</a:t>
-            </a:r>
-            <a:r>
-              <a:rPr kumimoji="1" lang="en-US" altLang="zh-CN" dirty="0"/>
-              <a:t>2</a:t>
-            </a:r>
-            <a:r>
-              <a:rPr kumimoji="1" lang="zh-CN" altLang="en-US"/>
-              <a:t>日</a:t>
-            </a:r>
-            <a:endParaRPr kumimoji="1" lang="zh-CN" altLang="en-US" dirty="0"/>
+            <a:endParaRPr lang="zh-CN" altLang="en-US" dirty="0"/>
           </a:p>
         </p:txBody>
       </p:sp>
@@ -5239,6 +4894,60 @@
       </p:grpSpPr>
       <p:sp>
         <p:nvSpPr>
+          <p:cNvPr id="3" name="内容占位符 2">
+            <a:extLst>
+              <a:ext uri="{FF2B5EF4-FFF2-40B4-BE49-F238E27FC236}">
+                <a16:creationId xmlns:a16="http://schemas.microsoft.com/office/drawing/2014/main" id="{E4B3B5DF-DAF7-B946-AB06-11AE7FF1176B}"/>
+              </a:ext>
+            </a:extLst>
+          </p:cNvPr>
+          <p:cNvSpPr>
+            <a:spLocks noGrp="1"/>
+          </p:cNvSpPr>
+          <p:nvPr>
+            <p:ph idx="1"/>
+          </p:nvPr>
+        </p:nvSpPr>
+        <p:spPr>
+          <a:xfrm>
+            <a:off x="1431883" y="2118167"/>
+            <a:ext cx="10178926" cy="3602477"/>
+          </a:xfrm>
+        </p:spPr>
+        <p:txBody>
+          <a:bodyPr/>
+          <a:lstStyle/>
+          <a:p>
+            <a:r>
+              <a:rPr lang="zh-CN" altLang="en-US" dirty="0"/>
+              <a:t>这里可以写你的目录内容</a:t>
+            </a:r>
+            <a:endParaRPr lang="en-US" altLang="zh-CN" dirty="0"/>
+          </a:p>
+          <a:p>
+            <a:r>
+              <a:rPr lang="zh-CN" altLang="en-US" dirty="0"/>
+              <a:t>一</a:t>
+            </a:r>
+            <a:endParaRPr lang="en-US" altLang="zh-CN" dirty="0"/>
+          </a:p>
+          <a:p>
+            <a:r>
+              <a:rPr lang="zh-CN" altLang="en-US" dirty="0"/>
+              <a:t>二</a:t>
+            </a:r>
+            <a:endParaRPr lang="en-US" altLang="zh-CN" dirty="0"/>
+          </a:p>
+          <a:p>
+            <a:r>
+              <a:rPr lang="zh-CN" altLang="en-US" dirty="0"/>
+              <a:t>三</a:t>
+            </a:r>
+          </a:p>
+        </p:txBody>
+      </p:sp>
+      <p:sp>
+        <p:nvSpPr>
           <p:cNvPr id="2" name="标题 1">
             <a:extLst>
               <a:ext uri="{FF2B5EF4-FFF2-40B4-BE49-F238E27FC236}">
@@ -5253,63 +4962,19 @@
             <p:ph type="title"/>
           </p:nvPr>
         </p:nvSpPr>
-        <p:spPr/>
+        <p:spPr>
+          <a:xfrm>
+            <a:off x="1431882" y="490438"/>
+            <a:ext cx="10178925" cy="1351451"/>
+          </a:xfrm>
+        </p:spPr>
         <p:txBody>
           <a:bodyPr/>
           <a:lstStyle/>
           <a:p>
             <a:r>
-              <a:rPr kumimoji="1" lang="zh-CN" altLang="en-US" dirty="0"/>
+              <a:rPr lang="zh-CN" altLang="en-US" dirty="0"/>
               <a:t>目录</a:t>
-            </a:r>
-          </a:p>
-        </p:txBody>
-      </p:sp>
-      <p:sp>
-        <p:nvSpPr>
-          <p:cNvPr id="3" name="内容占位符 2">
-            <a:extLst>
-              <a:ext uri="{FF2B5EF4-FFF2-40B4-BE49-F238E27FC236}">
-                <a16:creationId xmlns:a16="http://schemas.microsoft.com/office/drawing/2014/main" id="{E4B3B5DF-DAF7-B946-AB06-11AE7FF1176B}"/>
-              </a:ext>
-            </a:extLst>
-          </p:cNvPr>
-          <p:cNvSpPr>
-            <a:spLocks noGrp="1"/>
-          </p:cNvSpPr>
-          <p:nvPr>
-            <p:ph idx="1"/>
-          </p:nvPr>
-        </p:nvSpPr>
-        <p:spPr/>
-        <p:txBody>
-          <a:bodyPr/>
-          <a:lstStyle/>
-          <a:p>
-            <a:r>
-              <a:rPr kumimoji="1" lang="zh-CN" altLang="en-US" dirty="0"/>
-              <a:t>这里可以写你的目录内容</a:t>
-            </a:r>
-            <a:endParaRPr kumimoji="1" lang="en-US" altLang="zh-CN" dirty="0"/>
-          </a:p>
-          <a:p>
-            <a:r>
-              <a:rPr kumimoji="1" lang="zh-CN" altLang="en-US" dirty="0"/>
-              <a:t>一</a:t>
-            </a:r>
-            <a:endParaRPr kumimoji="1" lang="en-US" altLang="zh-CN" dirty="0"/>
-          </a:p>
-          <a:p>
-            <a:r>
-              <a:rPr kumimoji="1" lang="zh-CN" altLang="en-US" dirty="0"/>
-              <a:t>二</a:t>
-            </a:r>
-            <a:endParaRPr kumimoji="1" lang="en-US" altLang="zh-CN" dirty="0"/>
-          </a:p>
-          <a:p>
-            <a:r>
-              <a:rPr kumimoji="1" lang="zh-CN" altLang="en-US" dirty="0"/>
-              <a:t>三</a:t>
             </a:r>
           </a:p>
         </p:txBody>
@@ -5357,52 +5022,105 @@
             <a:spLocks noGrp="1"/>
           </p:cNvSpPr>
           <p:nvPr>
-            <p:ph idx="1"/>
-          </p:nvPr>
-        </p:nvSpPr>
-        <p:spPr/>
+            <p:ph type="body" idx="1"/>
+          </p:nvPr>
+        </p:nvSpPr>
+        <p:spPr>
+          <a:xfrm>
+            <a:off x="838200" y="1825625"/>
+            <a:ext cx="10515600" cy="3682546"/>
+          </a:xfrm>
+        </p:spPr>
         <p:txBody>
           <a:bodyPr/>
           <a:lstStyle/>
           <a:p>
             <a:r>
-              <a:rPr kumimoji="1" lang="zh-CN" altLang="en-US" dirty="0"/>
+              <a:rPr lang="zh-CN" altLang="en-US" dirty="0"/>
               <a:t>在</a:t>
             </a:r>
             <a:r>
-              <a:rPr kumimoji="1" lang="en-US" altLang="zh-CN" dirty="0"/>
+              <a:rPr lang="en-US" altLang="zh-CN" dirty="0"/>
               <a:t>PowerPoint</a:t>
             </a:r>
             <a:r>
-              <a:rPr kumimoji="1" lang="zh-CN" altLang="en-US" dirty="0"/>
+              <a:rPr lang="zh-CN" altLang="en-US" dirty="0"/>
               <a:t>的新建幻灯片的选项卡里，可以自己选择合适的页面</a:t>
             </a:r>
-            <a:endParaRPr kumimoji="1" lang="en-US" altLang="zh-CN" dirty="0"/>
-          </a:p>
-          <a:p>
-            <a:r>
-              <a:rPr kumimoji="1" lang="zh-CN" altLang="en-US" dirty="0"/>
+            <a:endParaRPr lang="en-US" altLang="zh-CN" dirty="0"/>
+          </a:p>
+          <a:p>
+            <a:r>
+              <a:rPr lang="zh-CN" altLang="en-US" dirty="0"/>
               <a:t>本清华主题模板实际上编辑了幻灯片母版，使图案和配色固定下来，使用时可类似于使用</a:t>
             </a:r>
             <a:r>
-              <a:rPr kumimoji="1" lang="en-US" altLang="zh-CN" dirty="0"/>
+              <a:rPr lang="en-US" altLang="zh-CN" dirty="0"/>
               <a:t>office</a:t>
             </a:r>
             <a:r>
-              <a:rPr kumimoji="1" lang="zh-CN" altLang="en-US" dirty="0"/>
+              <a:rPr lang="zh-CN" altLang="en-US" dirty="0"/>
               <a:t>自带模板一样不必为模板细节操心</a:t>
             </a:r>
-            <a:endParaRPr kumimoji="1" lang="en-US" altLang="zh-CN" dirty="0"/>
-          </a:p>
-          <a:p>
-            <a:r>
-              <a:rPr kumimoji="1" lang="zh-CN" altLang="en-US" dirty="0"/>
+            <a:endParaRPr lang="en-US" altLang="zh-CN" dirty="0"/>
+          </a:p>
+          <a:p>
+            <a:r>
+              <a:rPr lang="zh-CN" altLang="en-US" dirty="0"/>
               <a:t>如果需要定制，可自行编辑幻灯片母版</a:t>
             </a:r>
-            <a:endParaRPr kumimoji="1" lang="en-US" altLang="zh-CN" dirty="0"/>
-          </a:p>
-          <a:p>
-            <a:endParaRPr kumimoji="1" lang="zh-CN" altLang="en-US" dirty="0"/>
+            <a:endParaRPr lang="en-US" altLang="zh-CN" dirty="0"/>
+          </a:p>
+          <a:p>
+            <a:r>
+              <a:rPr lang="zh-CN" altLang="en-US" dirty="0"/>
+              <a:t>这个</a:t>
+            </a:r>
+            <a:r>
+              <a:rPr lang="en-US" altLang="zh-CN" dirty="0"/>
+              <a:t>PPT</a:t>
+            </a:r>
+            <a:r>
+              <a:rPr lang="zh-CN" altLang="en-US" dirty="0"/>
+              <a:t>模板来自：</a:t>
+            </a:r>
+            <a:r>
+              <a:rPr lang="en-US" altLang="zh-CN" dirty="0">
+                <a:hlinkClick r:id="rId2"/>
+              </a:rPr>
+              <a:t>https://github.com/atomiechen/THU-PPT-Theme</a:t>
+            </a:r>
+            <a:endParaRPr lang="en-US" altLang="zh-CN" dirty="0"/>
+          </a:p>
+          <a:p>
+            <a:pPr lvl="1"/>
+            <a:r>
+              <a:rPr lang="zh-CN" altLang="en-US" dirty="0"/>
+              <a:t>如果大家喜欢，欢迎给我</a:t>
+            </a:r>
+            <a:r>
+              <a:rPr lang="en-US" altLang="zh-CN" dirty="0"/>
+              <a:t>star</a:t>
+            </a:r>
+            <a:r>
+              <a:rPr lang="zh-CN" altLang="en-US" dirty="0"/>
+              <a:t>，也欢迎</a:t>
+            </a:r>
+            <a:r>
+              <a:rPr lang="en-US" altLang="zh-CN" dirty="0"/>
+              <a:t>PR</a:t>
+            </a:r>
+            <a:r>
+              <a:rPr lang="zh-CN" altLang="en-US" dirty="0"/>
+              <a:t>贡献更多变体！</a:t>
+            </a:r>
+            <a:endParaRPr lang="en-US" altLang="zh-CN" dirty="0"/>
+          </a:p>
+          <a:p>
+            <a:endParaRPr lang="en-US" altLang="zh-CN" dirty="0"/>
+          </a:p>
+          <a:p>
+            <a:endParaRPr lang="zh-CN" altLang="en-US" dirty="0"/>
           </a:p>
         </p:txBody>
       </p:sp>
@@ -5422,13 +5140,18 @@
             <p:ph type="title"/>
           </p:nvPr>
         </p:nvSpPr>
-        <p:spPr/>
+        <p:spPr>
+          <a:xfrm>
+            <a:off x="838200" y="365125"/>
+            <a:ext cx="10515600" cy="1325563"/>
+          </a:xfrm>
+        </p:spPr>
         <p:txBody>
           <a:bodyPr/>
           <a:lstStyle/>
           <a:p>
             <a:r>
-              <a:rPr kumimoji="1" lang="zh-CN" altLang="en-US" dirty="0"/>
+              <a:rPr lang="zh-CN" altLang="en-US" dirty="0"/>
               <a:t>使用方法</a:t>
             </a:r>
           </a:p>
@@ -5480,16 +5203,21 @@
             <p:ph type="body" idx="1"/>
           </p:nvPr>
         </p:nvSpPr>
-        <p:spPr/>
+        <p:spPr>
+          <a:xfrm>
+            <a:off x="887220" y="1840986"/>
+            <a:ext cx="5087075" cy="536005"/>
+          </a:xfrm>
+        </p:spPr>
         <p:txBody>
           <a:bodyPr/>
           <a:lstStyle/>
           <a:p>
             <a:r>
-              <a:rPr kumimoji="1" lang="en-US" altLang="zh-CN" dirty="0"/>
+              <a:rPr lang="en-US" altLang="zh-CN"/>
               <a:t>Foo</a:t>
             </a:r>
-            <a:endParaRPr kumimoji="1" lang="zh-CN" altLang="en-US" dirty="0"/>
+            <a:endParaRPr lang="zh-CN" altLang="en-US" dirty="0"/>
           </a:p>
         </p:txBody>
       </p:sp>
@@ -5509,39 +5237,57 @@
             <p:ph sz="half" idx="2"/>
           </p:nvPr>
         </p:nvSpPr>
-        <p:spPr/>
+        <p:spPr>
+          <a:xfrm>
+            <a:off x="581195" y="2516146"/>
+            <a:ext cx="5393100" cy="2934999"/>
+          </a:xfrm>
+        </p:spPr>
         <p:txBody>
           <a:bodyPr/>
           <a:lstStyle/>
           <a:p>
             <a:r>
-              <a:rPr kumimoji="1" lang="zh-CN" altLang="en-US" dirty="0"/>
+              <a:rPr lang="zh-CN" altLang="en-US" dirty="0"/>
               <a:t>新雅书院终于迎来了第一批在籍毕业生</a:t>
             </a:r>
-            <a:endParaRPr kumimoji="1" lang="en-US" altLang="zh-CN" dirty="0"/>
-          </a:p>
-          <a:p>
-            <a:r>
-              <a:rPr kumimoji="1" lang="zh-CN" altLang="en-US" dirty="0"/>
+            <a:endParaRPr lang="en-US" altLang="zh-CN" dirty="0"/>
+          </a:p>
+          <a:p>
+            <a:r>
+              <a:rPr lang="zh-CN" altLang="en-US" dirty="0"/>
               <a:t>扫地机科学与技术</a:t>
             </a:r>
-            <a:endParaRPr kumimoji="1" lang="en-US" altLang="zh-CN" dirty="0"/>
-          </a:p>
-          <a:p>
-            <a:r>
-              <a:rPr kumimoji="1" lang="zh-CN" altLang="en-US" dirty="0"/>
+            <a:endParaRPr lang="en-US" altLang="zh-CN" dirty="0"/>
+          </a:p>
+          <a:p>
+            <a:r>
+              <a:rPr lang="zh-CN" altLang="en-US" dirty="0"/>
               <a:t>一行不够，两行充数</a:t>
             </a:r>
-            <a:endParaRPr kumimoji="1" lang="en-US" altLang="zh-CN" dirty="0"/>
-          </a:p>
-          <a:p>
-            <a:r>
-              <a:rPr kumimoji="1" lang="zh-CN" altLang="en-US" dirty="0"/>
+            <a:endParaRPr lang="en-US" altLang="zh-CN" dirty="0"/>
+          </a:p>
+          <a:p>
+            <a:r>
+              <a:rPr lang="zh-CN" altLang="en-US" dirty="0"/>
               <a:t>更多页面款式供你选！</a:t>
             </a:r>
-          </a:p>
-          <a:p>
-            <a:endParaRPr kumimoji="1" lang="zh-CN" altLang="en-US" dirty="0"/>
+            <a:endParaRPr lang="en-US" altLang="zh-CN" dirty="0"/>
+          </a:p>
+          <a:p>
+            <a:r>
+              <a:rPr lang="en-US" altLang="zh-CN" dirty="0">
+                <a:hlinkClick r:id="rId2"/>
+              </a:rPr>
+              <a:t>https://github.com/atomiechen/THU-PPT-Theme</a:t>
+            </a:r>
+            <a:endParaRPr lang="en-US" altLang="zh-CN" dirty="0"/>
+          </a:p>
+          <a:p>
+            <a:endParaRPr lang="zh-CN" altLang="en-US" dirty="0"/>
+          </a:p>
+          <a:p>
+            <a:endParaRPr lang="zh-CN" altLang="en-US" dirty="0"/>
           </a:p>
         </p:txBody>
       </p:sp>
@@ -5561,16 +5307,21 @@
             <p:ph type="body" sz="quarter" idx="3"/>
           </p:nvPr>
         </p:nvSpPr>
-        <p:spPr/>
+        <p:spPr>
+          <a:xfrm>
+            <a:off x="6523737" y="1840986"/>
+            <a:ext cx="5087073" cy="553373"/>
+          </a:xfrm>
+        </p:spPr>
         <p:txBody>
           <a:bodyPr/>
           <a:lstStyle/>
           <a:p>
             <a:r>
-              <a:rPr kumimoji="1" lang="en-US" altLang="zh-CN" dirty="0"/>
+              <a:rPr lang="en-US" altLang="zh-CN"/>
               <a:t>Bar</a:t>
             </a:r>
-            <a:endParaRPr kumimoji="1" lang="zh-CN" altLang="en-US" dirty="0"/>
+            <a:endParaRPr lang="zh-CN" altLang="en-US" dirty="0"/>
           </a:p>
         </p:txBody>
       </p:sp>
@@ -5590,74 +5341,98 @@
             <p:ph sz="quarter" idx="4"/>
           </p:nvPr>
         </p:nvSpPr>
-        <p:spPr/>
+        <p:spPr>
+          <a:xfrm>
+            <a:off x="6217710" y="2516146"/>
+            <a:ext cx="5393100" cy="2934999"/>
+          </a:xfrm>
+        </p:spPr>
         <p:txBody>
           <a:bodyPr/>
           <a:lstStyle/>
           <a:p>
             <a:r>
-              <a:rPr kumimoji="1" lang="en" altLang="zh-CN" dirty="0"/>
+              <a:rPr lang="en" altLang="zh-CN" dirty="0"/>
               <a:t>Made by</a:t>
             </a:r>
             <a:r>
-              <a:rPr kumimoji="1" lang="zh-CN" altLang="en-US" dirty="0"/>
+              <a:rPr lang="zh-CN" altLang="en-US" dirty="0"/>
               <a:t> </a:t>
             </a:r>
             <a:r>
-              <a:rPr kumimoji="1" lang="en" altLang="zh-CN" dirty="0"/>
+              <a:rPr lang="en" altLang="zh-CN" dirty="0"/>
               <a:t>Weihao CHEN from Xinya College</a:t>
             </a:r>
           </a:p>
           <a:p>
             <a:r>
-              <a:rPr kumimoji="1" lang="en-US" altLang="zh-CN" dirty="0"/>
+              <a:rPr lang="en-US" altLang="zh-CN" dirty="0"/>
               <a:t>Sweeper</a:t>
             </a:r>
             <a:r>
-              <a:rPr kumimoji="1" lang="zh-CN" altLang="en-US" dirty="0"/>
+              <a:rPr lang="zh-CN" altLang="en-US" dirty="0"/>
               <a:t> </a:t>
             </a:r>
             <a:r>
-              <a:rPr kumimoji="1" lang="en-US" altLang="zh-CN" dirty="0"/>
+              <a:rPr lang="en-US" altLang="zh-CN" dirty="0"/>
               <a:t>Science</a:t>
             </a:r>
             <a:r>
-              <a:rPr kumimoji="1" lang="zh-CN" altLang="en-US" dirty="0"/>
+              <a:rPr lang="zh-CN" altLang="en-US" dirty="0"/>
               <a:t> </a:t>
             </a:r>
             <a:r>
-              <a:rPr kumimoji="1" lang="en-US" altLang="zh-CN" dirty="0"/>
+              <a:rPr lang="en-US" altLang="zh-CN" dirty="0"/>
               <a:t>and</a:t>
             </a:r>
             <a:r>
-              <a:rPr kumimoji="1" lang="zh-CN" altLang="en-US" dirty="0"/>
+              <a:rPr lang="zh-CN" altLang="en-US" dirty="0"/>
               <a:t> </a:t>
             </a:r>
             <a:r>
-              <a:rPr kumimoji="1" lang="en-US" altLang="zh-CN" dirty="0"/>
+              <a:rPr lang="en-US" altLang="zh-CN" dirty="0"/>
               <a:t>Technology</a:t>
             </a:r>
           </a:p>
           <a:p>
             <a:r>
-              <a:rPr kumimoji="1" lang="zh-CN" altLang="en-US" dirty="0"/>
+              <a:rPr lang="zh-CN" altLang="en-US" dirty="0"/>
               <a:t>陈伟浩做了一个清净的主题模板</a:t>
             </a:r>
-            <a:endParaRPr kumimoji="1" lang="en-US" altLang="zh-CN" dirty="0"/>
-          </a:p>
-          <a:p>
-            <a:r>
-              <a:rPr kumimoji="1" lang="zh-CN" altLang="en" dirty="0"/>
+            <a:endParaRPr lang="en-US" altLang="zh-CN" dirty="0"/>
+          </a:p>
+          <a:p>
+            <a:r>
+              <a:rPr lang="zh-CN" altLang="en" dirty="0"/>
               <a:t>欢迎大家</a:t>
             </a:r>
             <a:r>
-              <a:rPr kumimoji="1" lang="zh-CN" altLang="en-US" dirty="0"/>
+              <a:rPr lang="zh-CN" altLang="en-US" dirty="0"/>
               <a:t>广而传播使用！</a:t>
             </a:r>
-            <a:endParaRPr kumimoji="1" lang="en" altLang="zh-CN" dirty="0"/>
-          </a:p>
-          <a:p>
-            <a:endParaRPr kumimoji="1" lang="zh-CN" altLang="en-US" dirty="0"/>
+            <a:endParaRPr lang="en" altLang="zh-CN" dirty="0"/>
+          </a:p>
+          <a:p>
+            <a:r>
+              <a:rPr lang="zh-CN" altLang="en" dirty="0"/>
+              <a:t>链接</a:t>
+            </a:r>
+            <a:r>
+              <a:rPr lang="zh-CN" altLang="en-US" dirty="0"/>
+              <a:t>点开之后颜色会有变化（欢迎</a:t>
+            </a:r>
+            <a:r>
+              <a:rPr lang="en-US" altLang="zh-CN" dirty="0"/>
+              <a:t>star</a:t>
+            </a:r>
+            <a:r>
+              <a:rPr lang="zh-CN" altLang="en-US" dirty="0"/>
+              <a:t>）</a:t>
+            </a:r>
+            <a:endParaRPr lang="en-US" altLang="zh-CN" dirty="0"/>
+          </a:p>
+          <a:p>
+            <a:endParaRPr lang="zh-CN" altLang="en-US" dirty="0"/>
           </a:p>
         </p:txBody>
       </p:sp>
@@ -5677,15 +5452,21 @@
             <p:ph type="title"/>
           </p:nvPr>
         </p:nvSpPr>
-        <p:spPr/>
+        <p:spPr>
+          <a:xfrm>
+            <a:off x="838200" y="365125"/>
+            <a:ext cx="10515600" cy="1325563"/>
+          </a:xfrm>
+        </p:spPr>
         <p:txBody>
           <a:bodyPr/>
           <a:lstStyle/>
           <a:p>
             <a:r>
-              <a:rPr kumimoji="1" lang="zh-CN" altLang="en-US" dirty="0"/>
+              <a:rPr lang="zh-CN" altLang="en-US"/>
               <a:t>艾敝舍</a:t>
             </a:r>
+            <a:endParaRPr lang="zh-CN" altLang="en-US" dirty="0"/>
           </a:p>
         </p:txBody>
       </p:sp>
@@ -5735,13 +5516,18 @@
             <p:ph type="title"/>
           </p:nvPr>
         </p:nvSpPr>
-        <p:spPr/>
+        <p:spPr>
+          <a:xfrm>
+            <a:off x="581193" y="4395677"/>
+            <a:ext cx="11029616" cy="566738"/>
+          </a:xfrm>
+        </p:spPr>
         <p:txBody>
           <a:bodyPr/>
           <a:lstStyle/>
           <a:p>
             <a:r>
-              <a:rPr kumimoji="1" lang="zh-CN" altLang="en-US" dirty="0"/>
+              <a:rPr lang="zh-CN" altLang="en-US" dirty="0"/>
               <a:t>可以使用的页面如上</a:t>
             </a:r>
           </a:p>
@@ -5763,13 +5549,18 @@
             <p:ph type="body" sz="half" idx="2"/>
           </p:nvPr>
         </p:nvSpPr>
-        <p:spPr/>
+        <p:spPr>
+          <a:xfrm>
+            <a:off x="581193" y="4962417"/>
+            <a:ext cx="11029617" cy="598671"/>
+          </a:xfrm>
+        </p:spPr>
         <p:txBody>
           <a:bodyPr/>
           <a:lstStyle/>
           <a:p>
             <a:r>
-              <a:rPr kumimoji="1" lang="zh-CN" altLang="en-US" dirty="0"/>
+              <a:rPr lang="zh-CN" altLang="en-US" dirty="0"/>
               <a:t>本页空白比较大，可以放图等内容</a:t>
             </a:r>
           </a:p>
@@ -5777,10 +5568,10 @@
       </p:sp>
       <p:pic>
         <p:nvPicPr>
-          <p:cNvPr id="5" name="图片 4">
+          <p:cNvPr id="8" name="图片 7">
             <a:extLst>
               <a:ext uri="{FF2B5EF4-FFF2-40B4-BE49-F238E27FC236}">
-                <a16:creationId xmlns:a16="http://schemas.microsoft.com/office/drawing/2014/main" id="{89C88FB9-3589-674F-B4C6-3CCD0C38C880}"/>
+                <a16:creationId xmlns:a16="http://schemas.microsoft.com/office/drawing/2014/main" id="{DFC622A5-6804-3144-BB79-E48876154550}"/>
               </a:ext>
             </a:extLst>
           </p:cNvPr>
@@ -5797,8 +5588,8 @@
         </p:blipFill>
         <p:spPr>
           <a:xfrm>
-            <a:off x="2527228" y="780320"/>
-            <a:ext cx="7137544" cy="3364006"/>
+            <a:off x="2428489" y="977819"/>
+            <a:ext cx="7335022" cy="3417969"/>
           </a:xfrm>
           <a:prstGeom prst="rect">
             <a:avLst/>
@@ -5837,6 +5628,44 @@
       </p:grpSpPr>
       <p:sp>
         <p:nvSpPr>
+          <p:cNvPr id="3" name="副标题 2">
+            <a:extLst>
+              <a:ext uri="{FF2B5EF4-FFF2-40B4-BE49-F238E27FC236}">
+                <a16:creationId xmlns:a16="http://schemas.microsoft.com/office/drawing/2014/main" id="{AC9CF303-7D57-D44C-9067-E10B97FFEE0E}"/>
+              </a:ext>
+            </a:extLst>
+          </p:cNvPr>
+          <p:cNvSpPr>
+            <a:spLocks noGrp="1"/>
+          </p:cNvSpPr>
+          <p:nvPr>
+            <p:ph type="subTitle" idx="1"/>
+          </p:nvPr>
+        </p:nvSpPr>
+        <p:spPr>
+          <a:xfrm>
+            <a:off x="963169" y="3830629"/>
+            <a:ext cx="10265664" cy="1340999"/>
+          </a:xfrm>
+        </p:spPr>
+        <p:txBody>
+          <a:bodyPr/>
+          <a:lstStyle/>
+          <a:p>
+            <a:r>
+              <a:rPr lang="zh-CN" altLang="en-US" dirty="0"/>
+              <a:t>我们需要进入一些</a:t>
+            </a:r>
+            <a:r>
+              <a:rPr lang="en-US" altLang="zh-CN" dirty="0"/>
+              <a:t>details</a:t>
+            </a:r>
+            <a:endParaRPr lang="zh-CN" altLang="en-US" dirty="0"/>
+          </a:p>
+        </p:txBody>
+      </p:sp>
+      <p:sp>
+        <p:nvSpPr>
           <p:cNvPr id="2" name="标题 1">
             <a:extLst>
               <a:ext uri="{FF2B5EF4-FFF2-40B4-BE49-F238E27FC236}">
@@ -5848,51 +5677,23 @@
             <a:spLocks noGrp="1"/>
           </p:cNvSpPr>
           <p:nvPr>
-            <p:ph type="ctrTitle"/>
-          </p:nvPr>
-        </p:nvSpPr>
-        <p:spPr/>
+            <p:ph type="title"/>
+          </p:nvPr>
+        </p:nvSpPr>
+        <p:spPr>
+          <a:xfrm>
+            <a:off x="963169" y="1909598"/>
+            <a:ext cx="10265664" cy="1556843"/>
+          </a:xfrm>
+        </p:spPr>
         <p:txBody>
           <a:bodyPr/>
           <a:lstStyle/>
           <a:p>
             <a:r>
-              <a:rPr kumimoji="1" lang="zh-CN" altLang="en-US" dirty="0"/>
+              <a:rPr lang="zh-CN" altLang="en-US" dirty="0"/>
               <a:t>下一个章节</a:t>
             </a:r>
-          </a:p>
-        </p:txBody>
-      </p:sp>
-      <p:sp>
-        <p:nvSpPr>
-          <p:cNvPr id="3" name="副标题 2">
-            <a:extLst>
-              <a:ext uri="{FF2B5EF4-FFF2-40B4-BE49-F238E27FC236}">
-                <a16:creationId xmlns:a16="http://schemas.microsoft.com/office/drawing/2014/main" id="{AC9CF303-7D57-D44C-9067-E10B97FFEE0E}"/>
-              </a:ext>
-            </a:extLst>
-          </p:cNvPr>
-          <p:cNvSpPr>
-            <a:spLocks noGrp="1"/>
-          </p:cNvSpPr>
-          <p:nvPr>
-            <p:ph type="subTitle" idx="1"/>
-          </p:nvPr>
-        </p:nvSpPr>
-        <p:spPr/>
-        <p:txBody>
-          <a:bodyPr/>
-          <a:lstStyle/>
-          <a:p>
-            <a:r>
-              <a:rPr kumimoji="1" lang="zh-CN" altLang="en-US" dirty="0"/>
-              <a:t>我们需要进入一些</a:t>
-            </a:r>
-            <a:r>
-              <a:rPr kumimoji="1" lang="en-US" altLang="zh-CN" dirty="0"/>
-              <a:t>details</a:t>
-            </a:r>
-            <a:endParaRPr kumimoji="1" lang="zh-CN" altLang="en-US" dirty="0"/>
           </a:p>
         </p:txBody>
       </p:sp>
@@ -5928,10 +5729,10 @@
       </p:grpSpPr>
       <p:sp>
         <p:nvSpPr>
-          <p:cNvPr id="2" name="标题 1">
+          <p:cNvPr id="4" name="内容占位符 3">
             <a:extLst>
               <a:ext uri="{FF2B5EF4-FFF2-40B4-BE49-F238E27FC236}">
-                <a16:creationId xmlns:a16="http://schemas.microsoft.com/office/drawing/2014/main" id="{F207C298-BBDA-2946-B9D9-D457CECF1751}"/>
+                <a16:creationId xmlns:a16="http://schemas.microsoft.com/office/drawing/2014/main" id="{4A7923B3-0709-A549-A2A2-ED468AB684A6}"/>
               </a:ext>
             </a:extLst>
           </p:cNvPr>
@@ -5939,7 +5740,7 @@
             <a:spLocks noGrp="1"/>
           </p:cNvSpPr>
           <p:nvPr>
-            <p:ph type="title"/>
+            <p:ph idx="1"/>
           </p:nvPr>
         </p:nvSpPr>
         <p:spPr/>
@@ -5947,19 +5748,16 @@
           <a:bodyPr/>
           <a:lstStyle/>
           <a:p>
-            <a:r>
-              <a:rPr kumimoji="1" lang="zh-CN" altLang="en-US" dirty="0"/>
-              <a:t>标题在下方</a:t>
-            </a:r>
-          </a:p>
-        </p:txBody>
-      </p:sp>
-      <p:sp>
-        <p:nvSpPr>
-          <p:cNvPr id="3" name="内容占位符 2">
+            <a:endParaRPr lang="zh-CN" altLang="en-US"/>
+          </a:p>
+        </p:txBody>
+      </p:sp>
+      <p:sp>
+        <p:nvSpPr>
+          <p:cNvPr id="17" name="标题 16">
             <a:extLst>
               <a:ext uri="{FF2B5EF4-FFF2-40B4-BE49-F238E27FC236}">
-                <a16:creationId xmlns:a16="http://schemas.microsoft.com/office/drawing/2014/main" id="{1B1C8FA0-CD7D-D748-97A6-257757645F77}"/>
+                <a16:creationId xmlns:a16="http://schemas.microsoft.com/office/drawing/2014/main" id="{1453682D-DEA1-0F46-B201-09CFEDDACDD4}"/>
               </a:ext>
             </a:extLst>
           </p:cNvPr>
@@ -5967,24 +5765,32 @@
             <a:spLocks noGrp="1"/>
           </p:cNvSpPr>
           <p:nvPr>
-            <p:ph idx="1"/>
-          </p:nvPr>
-        </p:nvSpPr>
-        <p:spPr/>
+            <p:ph type="title"/>
+          </p:nvPr>
+        </p:nvSpPr>
+        <p:spPr>
+          <a:xfrm>
+            <a:off x="1021463" y="4913486"/>
+            <a:ext cx="10333301" cy="609039"/>
+          </a:xfrm>
+        </p:spPr>
         <p:txBody>
           <a:bodyPr/>
           <a:lstStyle/>
           <a:p>
-            <a:endParaRPr kumimoji="1" lang="zh-CN" altLang="en-US"/>
-          </a:p>
-        </p:txBody>
-      </p:sp>
-      <p:sp>
-        <p:nvSpPr>
-          <p:cNvPr id="4" name="文本占位符 3">
+            <a:r>
+              <a:rPr lang="zh-CN" altLang="en-US" dirty="0"/>
+              <a:t>标题在下方</a:t>
+            </a:r>
+          </a:p>
+        </p:txBody>
+      </p:sp>
+      <p:sp>
+        <p:nvSpPr>
+          <p:cNvPr id="19" name="副标题 18">
             <a:extLst>
               <a:ext uri="{FF2B5EF4-FFF2-40B4-BE49-F238E27FC236}">
-                <a16:creationId xmlns:a16="http://schemas.microsoft.com/office/drawing/2014/main" id="{B8849B47-9C38-BF44-922D-DEF9C6B9781A}"/>
+                <a16:creationId xmlns:a16="http://schemas.microsoft.com/office/drawing/2014/main" id="{BE1777BD-8335-DF44-B998-63886A6300C6}"/>
               </a:ext>
             </a:extLst>
           </p:cNvPr>
@@ -5992,16 +5798,23 @@
             <a:spLocks noGrp="1"/>
           </p:cNvSpPr>
           <p:nvPr>
-            <p:ph type="body" sz="half" idx="2"/>
-          </p:nvPr>
-        </p:nvSpPr>
-        <p:spPr/>
-        <p:txBody>
-          <a:bodyPr/>
-          <a:lstStyle/>
-          <a:p>
-            <a:r>
-              <a:rPr kumimoji="1" lang="zh-CN" altLang="en-US" dirty="0"/>
+            <p:ph type="subTitle" idx="13"/>
+          </p:nvPr>
+        </p:nvSpPr>
+        <p:spPr>
+          <a:xfrm>
+            <a:off x="1021463" y="5608156"/>
+            <a:ext cx="10333300" cy="360735"/>
+          </a:xfrm>
+        </p:spPr>
+        <p:txBody>
+          <a:bodyPr>
+            <a:normAutofit fontScale="92500" lnSpcReduction="10000"/>
+          </a:bodyPr>
+          <a:lstStyle/>
+          <a:p>
+            <a:r>
+              <a:rPr lang="zh-CN" altLang="en-US" dirty="0"/>
               <a:t>这是一个不同的设计</a:t>
             </a:r>
           </a:p>
@@ -6010,7 +5823,7 @@
     </p:spTree>
     <p:extLst>
       <p:ext uri="{BB962C8B-B14F-4D97-AF65-F5344CB8AC3E}">
-        <p14:creationId xmlns:p14="http://schemas.microsoft.com/office/powerpoint/2010/main" val="2894931453"/>
+        <p14:creationId xmlns:p14="http://schemas.microsoft.com/office/powerpoint/2010/main" val="851695989"/>
       </p:ext>
     </p:extLst>
   </p:cSld>
@@ -6053,13 +5866,18 @@
             <p:ph type="title" orient="vert"/>
           </p:nvPr>
         </p:nvSpPr>
-        <p:spPr/>
+        <p:spPr>
+          <a:xfrm>
+            <a:off x="9169649" y="675726"/>
+            <a:ext cx="1899496" cy="5183073"/>
+          </a:xfrm>
+        </p:spPr>
         <p:txBody>
           <a:bodyPr/>
           <a:lstStyle/>
           <a:p>
             <a:r>
-              <a:rPr kumimoji="1" lang="zh-CN" altLang="en-US" dirty="0"/>
+              <a:rPr lang="zh-CN" altLang="en-US" dirty="0"/>
               <a:t>竖排文本</a:t>
             </a:r>
           </a:p>
@@ -6081,20 +5899,25 @@
             <p:ph type="body" orient="vert" idx="1"/>
           </p:nvPr>
         </p:nvSpPr>
-        <p:spPr/>
+        <p:spPr>
+          <a:xfrm>
+            <a:off x="774923" y="675726"/>
+            <a:ext cx="7791611" cy="5183073"/>
+          </a:xfrm>
+        </p:spPr>
         <p:txBody>
           <a:bodyPr/>
           <a:lstStyle/>
           <a:p>
             <a:r>
-              <a:rPr kumimoji="1" lang="zh-CN" altLang="en-US" dirty="0"/>
+              <a:rPr lang="zh-CN" altLang="en-US" dirty="0"/>
               <a:t>这里还可以写一些竖排文本，效果大概是这样的</a:t>
             </a:r>
-            <a:endParaRPr kumimoji="1" lang="en-US" altLang="zh-CN" dirty="0"/>
-          </a:p>
-          <a:p>
-            <a:r>
-              <a:rPr kumimoji="1" lang="zh-CN" altLang="en-US" dirty="0"/>
+            <a:endParaRPr lang="en-US" altLang="zh-CN" dirty="0"/>
+          </a:p>
+          <a:p>
+            <a:r>
+              <a:rPr lang="zh-CN" altLang="en-US" dirty="0"/>
               <a:t>扫地机科学与技术</a:t>
             </a:r>
           </a:p>
@@ -6132,6 +5955,66 @@
       </p:grpSpPr>
       <p:sp>
         <p:nvSpPr>
+          <p:cNvPr id="3" name="副标题 2">
+            <a:extLst>
+              <a:ext uri="{FF2B5EF4-FFF2-40B4-BE49-F238E27FC236}">
+                <a16:creationId xmlns:a16="http://schemas.microsoft.com/office/drawing/2014/main" id="{0486DF19-DC1B-514A-8C02-64E0ECCD2C31}"/>
+              </a:ext>
+            </a:extLst>
+          </p:cNvPr>
+          <p:cNvSpPr>
+            <a:spLocks noGrp="1"/>
+          </p:cNvSpPr>
+          <p:nvPr>
+            <p:ph type="subTitle" idx="1"/>
+          </p:nvPr>
+        </p:nvSpPr>
+        <p:spPr>
+          <a:xfrm>
+            <a:off x="963169" y="3819054"/>
+            <a:ext cx="10265664" cy="1340999"/>
+          </a:xfrm>
+        </p:spPr>
+        <p:txBody>
+          <a:bodyPr/>
+          <a:lstStyle/>
+          <a:p>
+            <a:r>
+              <a:rPr lang="en-US" altLang="zh-CN" dirty="0" err="1"/>
+              <a:t>Atomie</a:t>
+            </a:r>
+            <a:endParaRPr lang="en-US" altLang="zh-CN" dirty="0"/>
+          </a:p>
+          <a:p>
+            <a:r>
+              <a:rPr lang="en-US" altLang="zh-CN" dirty="0"/>
+              <a:t>9999</a:t>
+            </a:r>
+            <a:r>
+              <a:rPr lang="zh-CN" altLang="en-US" dirty="0"/>
+              <a:t>年</a:t>
+            </a:r>
+            <a:r>
+              <a:rPr lang="en-US" altLang="zh-CN" dirty="0"/>
+              <a:t>13</a:t>
+            </a:r>
+            <a:r>
+              <a:rPr lang="zh-CN" altLang="en-US" dirty="0"/>
+              <a:t>月</a:t>
+            </a:r>
+            <a:r>
+              <a:rPr lang="en-US" altLang="zh-CN" dirty="0"/>
+              <a:t>32</a:t>
+            </a:r>
+            <a:r>
+              <a:rPr lang="zh-CN" altLang="en-US" dirty="0"/>
+              <a:t>日</a:t>
+            </a:r>
+          </a:p>
+        </p:txBody>
+      </p:sp>
+      <p:sp>
+        <p:nvSpPr>
           <p:cNvPr id="2" name="标题 1">
             <a:extLst>
               <a:ext uri="{FF2B5EF4-FFF2-40B4-BE49-F238E27FC236}">
@@ -6143,72 +6026,22 @@
             <a:spLocks noGrp="1"/>
           </p:cNvSpPr>
           <p:nvPr>
-            <p:ph type="ctrTitle"/>
-          </p:nvPr>
-        </p:nvSpPr>
-        <p:spPr/>
+            <p:ph type="title"/>
+          </p:nvPr>
+        </p:nvSpPr>
+        <p:spPr>
+          <a:xfrm>
+            <a:off x="963167" y="2023572"/>
+            <a:ext cx="10265664" cy="1325563"/>
+          </a:xfrm>
+        </p:spPr>
         <p:txBody>
           <a:bodyPr/>
           <a:lstStyle/>
           <a:p>
             <a:r>
-              <a:rPr kumimoji="1" lang="zh-CN" altLang="en-US" dirty="0"/>
+              <a:rPr lang="zh-CN" altLang="en-US" dirty="0"/>
               <a:t>感谢使用和支持！</a:t>
-            </a:r>
-          </a:p>
-        </p:txBody>
-      </p:sp>
-      <p:sp>
-        <p:nvSpPr>
-          <p:cNvPr id="3" name="副标题 2">
-            <a:extLst>
-              <a:ext uri="{FF2B5EF4-FFF2-40B4-BE49-F238E27FC236}">
-                <a16:creationId xmlns:a16="http://schemas.microsoft.com/office/drawing/2014/main" id="{0486DF19-DC1B-514A-8C02-64E0ECCD2C31}"/>
-              </a:ext>
-            </a:extLst>
-          </p:cNvPr>
-          <p:cNvSpPr>
-            <a:spLocks noGrp="1"/>
-          </p:cNvSpPr>
-          <p:nvPr>
-            <p:ph type="subTitle" idx="1"/>
-          </p:nvPr>
-        </p:nvSpPr>
-        <p:spPr/>
-        <p:txBody>
-          <a:bodyPr/>
-          <a:lstStyle/>
-          <a:p>
-            <a:r>
-              <a:rPr kumimoji="1" lang="en-US" altLang="zh-CN" dirty="0" err="1"/>
-              <a:t>Atomie</a:t>
-            </a:r>
-            <a:endParaRPr kumimoji="1" lang="en-US" altLang="zh-CN" dirty="0"/>
-          </a:p>
-          <a:p>
-            <a:r>
-              <a:rPr kumimoji="1" lang="en-US" altLang="zh-CN" dirty="0"/>
-              <a:t>9999</a:t>
-            </a:r>
-            <a:r>
-              <a:rPr kumimoji="1" lang="zh-CN" altLang="en-US" dirty="0"/>
-              <a:t>年</a:t>
-            </a:r>
-            <a:r>
-              <a:rPr kumimoji="1" lang="en-US" altLang="zh-CN" dirty="0"/>
-              <a:t>13</a:t>
-            </a:r>
-            <a:r>
-              <a:rPr kumimoji="1" lang="zh-CN" altLang="en-US" dirty="0"/>
-              <a:t>月</a:t>
-            </a:r>
-            <a:r>
-              <a:rPr kumimoji="1" lang="en-US" altLang="zh-CN" dirty="0"/>
-              <a:t>32</a:t>
-            </a:r>
-            <a:r>
-              <a:rPr kumimoji="1" lang="zh-CN" altLang="en-US" dirty="0"/>
-              <a:t>日</a:t>
             </a:r>
           </a:p>
         </p:txBody>
@@ -6229,7 +6062,7 @@
 <file path=ppt/theme/theme1.xml><?xml version="1.0" encoding="utf-8"?>
 <a:theme xmlns:a="http://schemas.openxmlformats.org/drawingml/2006/main" name="清华简约主题-扁平-16:9">
   <a:themeElements>
-    <a:clrScheme name="自定义 6">
+    <a:clrScheme name="清华紫主题">
       <a:dk1>
         <a:srgbClr val="000000"/>
       </a:dk1>
@@ -6243,10 +6076,10 @@
         <a:srgbClr val="EBEBEB"/>
       </a:lt2>
       <a:accent1>
-        <a:srgbClr val="5B2F7C"/>
+        <a:srgbClr val="660874"/>
       </a:accent1>
       <a:accent2>
-        <a:srgbClr val="5C2F7D"/>
+        <a:srgbClr val="660874"/>
       </a:accent2>
       <a:accent3>
         <a:srgbClr val="E6C46D"/>
@@ -6261,10 +6094,10 @@
         <a:srgbClr val="5A8071"/>
       </a:accent6>
       <a:hlink>
-        <a:srgbClr val="828282"/>
+        <a:srgbClr val="007698"/>
       </a:hlink>
       <a:folHlink>
-        <a:srgbClr val="A5A5A5"/>
+        <a:srgbClr val="43064C"/>
       </a:folHlink>
     </a:clrScheme>
     <a:fontScheme name="红利">
